--- a/SE489/Lectures/8-DevOps Metrics/DevOps Certifications Guide.pptx
+++ b/SE489/Lectures/8-DevOps Metrics/DevOps Certifications Guide.pptx
@@ -5,7 +5,7 @@
     <p:sldMasterId id="2147483648" r:id="rId1"/>
   </p:sldMasterIdLst>
   <p:notesMasterIdLst>
-    <p:notesMasterId r:id="rId33"/>
+    <p:notesMasterId r:id="rId39"/>
   </p:notesMasterIdLst>
   <p:sldIdLst>
     <p:sldId id="256" r:id="rId2"/>
@@ -13,32 +13,38 @@
     <p:sldId id="525" r:id="rId4"/>
     <p:sldId id="526" r:id="rId5"/>
     <p:sldId id="527" r:id="rId6"/>
-    <p:sldId id="546" r:id="rId7"/>
-    <p:sldId id="528" r:id="rId8"/>
-    <p:sldId id="544" r:id="rId9"/>
-    <p:sldId id="545" r:id="rId10"/>
-    <p:sldId id="566" r:id="rId11"/>
-    <p:sldId id="549" r:id="rId12"/>
-    <p:sldId id="547" r:id="rId13"/>
-    <p:sldId id="548" r:id="rId14"/>
-    <p:sldId id="567" r:id="rId15"/>
-    <p:sldId id="568" r:id="rId16"/>
-    <p:sldId id="550" r:id="rId17"/>
-    <p:sldId id="551" r:id="rId18"/>
-    <p:sldId id="552" r:id="rId19"/>
-    <p:sldId id="553" r:id="rId20"/>
-    <p:sldId id="555" r:id="rId21"/>
-    <p:sldId id="554" r:id="rId22"/>
-    <p:sldId id="556" r:id="rId23"/>
-    <p:sldId id="557" r:id="rId24"/>
-    <p:sldId id="558" r:id="rId25"/>
-    <p:sldId id="559" r:id="rId26"/>
-    <p:sldId id="560" r:id="rId27"/>
-    <p:sldId id="561" r:id="rId28"/>
-    <p:sldId id="563" r:id="rId29"/>
-    <p:sldId id="562" r:id="rId30"/>
-    <p:sldId id="564" r:id="rId31"/>
-    <p:sldId id="565" r:id="rId32"/>
+    <p:sldId id="569" r:id="rId7"/>
+    <p:sldId id="546" r:id="rId8"/>
+    <p:sldId id="528" r:id="rId9"/>
+    <p:sldId id="544" r:id="rId10"/>
+    <p:sldId id="545" r:id="rId11"/>
+    <p:sldId id="566" r:id="rId12"/>
+    <p:sldId id="570" r:id="rId13"/>
+    <p:sldId id="549" r:id="rId14"/>
+    <p:sldId id="547" r:id="rId15"/>
+    <p:sldId id="548" r:id="rId16"/>
+    <p:sldId id="567" r:id="rId17"/>
+    <p:sldId id="568" r:id="rId18"/>
+    <p:sldId id="571" r:id="rId19"/>
+    <p:sldId id="550" r:id="rId20"/>
+    <p:sldId id="551" r:id="rId21"/>
+    <p:sldId id="552" r:id="rId22"/>
+    <p:sldId id="553" r:id="rId23"/>
+    <p:sldId id="572" r:id="rId24"/>
+    <p:sldId id="555" r:id="rId25"/>
+    <p:sldId id="554" r:id="rId26"/>
+    <p:sldId id="556" r:id="rId27"/>
+    <p:sldId id="557" r:id="rId28"/>
+    <p:sldId id="573" r:id="rId29"/>
+    <p:sldId id="558" r:id="rId30"/>
+    <p:sldId id="559" r:id="rId31"/>
+    <p:sldId id="574" r:id="rId32"/>
+    <p:sldId id="560" r:id="rId33"/>
+    <p:sldId id="561" r:id="rId34"/>
+    <p:sldId id="563" r:id="rId35"/>
+    <p:sldId id="562" r:id="rId36"/>
+    <p:sldId id="564" r:id="rId37"/>
+    <p:sldId id="565" r:id="rId38"/>
   </p:sldIdLst>
   <p:sldSz cx="12192000" cy="6858000"/>
   <p:notesSz cx="6858000" cy="9144000"/>
@@ -1530,21 +1536,21 @@
     </dgm:pt>
   </dgm:ptLst>
   <dgm:cxnLst>
+    <dgm:cxn modelId="{60B38E56-FC56-40BE-82BF-0D552C742ABA}" type="presOf" srcId="{859A73B4-FAD9-4E6B-849E-EF642C56A344}" destId="{EAA811AA-506A-40DD-8590-FFDC15B11B21}" srcOrd="0" destOrd="0" presId="urn:microsoft.com/office/officeart/2011/layout/HexagonRadial"/>
+    <dgm:cxn modelId="{A4FD96B2-5ECF-4970-8E2D-572EF2F3CD2E}" srcId="{5F837DF4-3EFC-4679-AFC8-51094841F677}" destId="{859A73B4-FAD9-4E6B-849E-EF642C56A344}" srcOrd="4" destOrd="0" parTransId="{AEDA1A55-F7E9-4FD4-98F2-02CF796A1E3F}" sibTransId="{72402620-1627-4B1E-8EB2-6F016445D684}"/>
+    <dgm:cxn modelId="{7300A63D-7C59-4F63-B225-DD26116305EF}" srcId="{5F837DF4-3EFC-4679-AFC8-51094841F677}" destId="{2DAA6D51-56F3-4570-83C1-E4189A2103A5}" srcOrd="5" destOrd="0" parTransId="{3BF24ACF-4393-4377-8122-D84E637067AC}" sibTransId="{FEDCAA36-2F3B-4879-B16D-B9554CB44574}"/>
+    <dgm:cxn modelId="{A19245D5-50C8-49FA-8724-DB951A4B4E12}" srcId="{BF303B73-0063-43A3-B496-81FD09CEDC48}" destId="{5F837DF4-3EFC-4679-AFC8-51094841F677}" srcOrd="0" destOrd="0" parTransId="{A11C0531-077B-4CB8-88B2-1D20FAB9204A}" sibTransId="{03FD7765-45D5-445B-81EA-22F224FE3F0A}"/>
+    <dgm:cxn modelId="{550CAF61-0E02-4B5B-8CDE-33E271B8850E}" type="presOf" srcId="{680D5F13-7449-45EF-92CD-6F19086B9388}" destId="{F9ACE4E8-33F9-4D5A-B6ED-893A1D310D53}" srcOrd="0" destOrd="0" presId="urn:microsoft.com/office/officeart/2011/layout/HexagonRadial"/>
+    <dgm:cxn modelId="{22364E92-B42A-434E-871E-740DE55DFF4E}" srcId="{5F837DF4-3EFC-4679-AFC8-51094841F677}" destId="{DC7CD1FB-C446-44F7-BF51-3796DF920D14}" srcOrd="3" destOrd="0" parTransId="{B3B30434-57EC-4096-A8E0-B12374DDF380}" sibTransId="{68F57203-5D8B-4EF7-BF77-1CF8FE066E0D}"/>
+    <dgm:cxn modelId="{2306F82A-0616-42A3-B181-696321496629}" type="presOf" srcId="{BEB1CAB4-28B8-4941-A150-F9768352435F}" destId="{E367EF29-F685-4332-9563-25D385480378}" srcOrd="0" destOrd="0" presId="urn:microsoft.com/office/officeart/2011/layout/HexagonRadial"/>
     <dgm:cxn modelId="{C59D99CA-DB16-4528-A6C9-B550B6413EB4}" type="presOf" srcId="{1B44B10B-13C4-4A1A-9B83-3113134BFC37}" destId="{23895316-5845-414B-9A42-E15DB9DD6C42}" srcOrd="0" destOrd="0" presId="urn:microsoft.com/office/officeart/2011/layout/HexagonRadial"/>
     <dgm:cxn modelId="{F7889885-5C7B-4048-867A-B30E49F7157B}" srcId="{5F837DF4-3EFC-4679-AFC8-51094841F677}" destId="{680D5F13-7449-45EF-92CD-6F19086B9388}" srcOrd="1" destOrd="0" parTransId="{04EF5065-E3A2-46C8-8E8B-45DC2BD5AD71}" sibTransId="{26A459B7-2ED4-4AEF-BEAF-7EA894AD8634}"/>
-    <dgm:cxn modelId="{7300A63D-7C59-4F63-B225-DD26116305EF}" srcId="{5F837DF4-3EFC-4679-AFC8-51094841F677}" destId="{2DAA6D51-56F3-4570-83C1-E4189A2103A5}" srcOrd="5" destOrd="0" parTransId="{3BF24ACF-4393-4377-8122-D84E637067AC}" sibTransId="{FEDCAA36-2F3B-4879-B16D-B9554CB44574}"/>
-    <dgm:cxn modelId="{550CAF61-0E02-4B5B-8CDE-33E271B8850E}" type="presOf" srcId="{680D5F13-7449-45EF-92CD-6F19086B9388}" destId="{F9ACE4E8-33F9-4D5A-B6ED-893A1D310D53}" srcOrd="0" destOrd="0" presId="urn:microsoft.com/office/officeart/2011/layout/HexagonRadial"/>
-    <dgm:cxn modelId="{F17D0FFA-D8D6-4530-8E0A-A8805D3017BA}" srcId="{5F837DF4-3EFC-4679-AFC8-51094841F677}" destId="{BEB1CAB4-28B8-4941-A150-F9768352435F}" srcOrd="2" destOrd="0" parTransId="{28DF7E73-A883-48E4-8D4F-DA8A12E32736}" sibTransId="{C7BFC8C7-F334-4CF8-95BD-83C8EEE735A2}"/>
-    <dgm:cxn modelId="{22364E92-B42A-434E-871E-740DE55DFF4E}" srcId="{5F837DF4-3EFC-4679-AFC8-51094841F677}" destId="{DC7CD1FB-C446-44F7-BF51-3796DF920D14}" srcOrd="3" destOrd="0" parTransId="{B3B30434-57EC-4096-A8E0-B12374DDF380}" sibTransId="{68F57203-5D8B-4EF7-BF77-1CF8FE066E0D}"/>
     <dgm:cxn modelId="{71D0F652-CDE2-47C5-9159-2929A9D48086}" type="presOf" srcId="{DC7CD1FB-C446-44F7-BF51-3796DF920D14}" destId="{060F6C64-A835-46F5-AE02-0F3996062CF4}" srcOrd="0" destOrd="0" presId="urn:microsoft.com/office/officeart/2011/layout/HexagonRadial"/>
-    <dgm:cxn modelId="{2306F82A-0616-42A3-B181-696321496629}" type="presOf" srcId="{BEB1CAB4-28B8-4941-A150-F9768352435F}" destId="{E367EF29-F685-4332-9563-25D385480378}" srcOrd="0" destOrd="0" presId="urn:microsoft.com/office/officeart/2011/layout/HexagonRadial"/>
-    <dgm:cxn modelId="{4D40B7D1-4DF3-4C2E-93FA-AB6717A49661}" srcId="{5F837DF4-3EFC-4679-AFC8-51094841F677}" destId="{1B44B10B-13C4-4A1A-9B83-3113134BFC37}" srcOrd="0" destOrd="0" parTransId="{F5B3D482-3E9F-4DFC-B6A9-1DD868EE16DA}" sibTransId="{3C3FF3EF-7B49-43B1-8664-92A706D3C1E0}"/>
     <dgm:cxn modelId="{16D1E735-CBE1-469D-8E0E-95A4BE8E9AF7}" type="presOf" srcId="{BF303B73-0063-43A3-B496-81FD09CEDC48}" destId="{065F06D9-87BE-4F50-A3F9-4A3A44227CFC}" srcOrd="0" destOrd="0" presId="urn:microsoft.com/office/officeart/2011/layout/HexagonRadial"/>
-    <dgm:cxn modelId="{60B38E56-FC56-40BE-82BF-0D552C742ABA}" type="presOf" srcId="{859A73B4-FAD9-4E6B-849E-EF642C56A344}" destId="{EAA811AA-506A-40DD-8590-FFDC15B11B21}" srcOrd="0" destOrd="0" presId="urn:microsoft.com/office/officeart/2011/layout/HexagonRadial"/>
     <dgm:cxn modelId="{D40ECABE-C4BC-4047-993D-533360E0A4C6}" type="presOf" srcId="{5F837DF4-3EFC-4679-AFC8-51094841F677}" destId="{10BEC96B-391F-44BC-ABD5-7ABF65CB524F}" srcOrd="0" destOrd="0" presId="urn:microsoft.com/office/officeart/2011/layout/HexagonRadial"/>
     <dgm:cxn modelId="{5D35F445-66D0-48D0-A8F5-A230EDBE5C43}" type="presOf" srcId="{2DAA6D51-56F3-4570-83C1-E4189A2103A5}" destId="{0612819F-D66A-44AD-8FC4-F4AB7FDD16E7}" srcOrd="0" destOrd="0" presId="urn:microsoft.com/office/officeart/2011/layout/HexagonRadial"/>
-    <dgm:cxn modelId="{A4FD96B2-5ECF-4970-8E2D-572EF2F3CD2E}" srcId="{5F837DF4-3EFC-4679-AFC8-51094841F677}" destId="{859A73B4-FAD9-4E6B-849E-EF642C56A344}" srcOrd="4" destOrd="0" parTransId="{AEDA1A55-F7E9-4FD4-98F2-02CF796A1E3F}" sibTransId="{72402620-1627-4B1E-8EB2-6F016445D684}"/>
-    <dgm:cxn modelId="{A19245D5-50C8-49FA-8724-DB951A4B4E12}" srcId="{BF303B73-0063-43A3-B496-81FD09CEDC48}" destId="{5F837DF4-3EFC-4679-AFC8-51094841F677}" srcOrd="0" destOrd="0" parTransId="{A11C0531-077B-4CB8-88B2-1D20FAB9204A}" sibTransId="{03FD7765-45D5-445B-81EA-22F224FE3F0A}"/>
+    <dgm:cxn modelId="{F17D0FFA-D8D6-4530-8E0A-A8805D3017BA}" srcId="{5F837DF4-3EFC-4679-AFC8-51094841F677}" destId="{BEB1CAB4-28B8-4941-A150-F9768352435F}" srcOrd="2" destOrd="0" parTransId="{28DF7E73-A883-48E4-8D4F-DA8A12E32736}" sibTransId="{C7BFC8C7-F334-4CF8-95BD-83C8EEE735A2}"/>
+    <dgm:cxn modelId="{4D40B7D1-4DF3-4C2E-93FA-AB6717A49661}" srcId="{5F837DF4-3EFC-4679-AFC8-51094841F677}" destId="{1B44B10B-13C4-4A1A-9B83-3113134BFC37}" srcOrd="0" destOrd="0" parTransId="{F5B3D482-3E9F-4DFC-B6A9-1DD868EE16DA}" sibTransId="{3C3FF3EF-7B49-43B1-8664-92A706D3C1E0}"/>
     <dgm:cxn modelId="{BACB4CEE-7EA7-4E9F-B150-0EC08C5BCD23}" type="presParOf" srcId="{065F06D9-87BE-4F50-A3F9-4A3A44227CFC}" destId="{10BEC96B-391F-44BC-ABD5-7ABF65CB524F}" srcOrd="0" destOrd="0" presId="urn:microsoft.com/office/officeart/2011/layout/HexagonRadial"/>
     <dgm:cxn modelId="{03EDE25D-04F5-4577-89BF-79A07ABF60E8}" type="presParOf" srcId="{065F06D9-87BE-4F50-A3F9-4A3A44227CFC}" destId="{D7D7D7FF-2B7C-49FE-8E2B-8E9ACBB341FF}" srcOrd="1" destOrd="0" presId="urn:microsoft.com/office/officeart/2011/layout/HexagonRadial"/>
     <dgm:cxn modelId="{76D57719-C09F-4D5B-81DA-8573D8F7DB8D}" type="presParOf" srcId="{D7D7D7FF-2B7C-49FE-8E2B-8E9ACBB341FF}" destId="{6230F6FB-7085-4493-A44E-A475F33A1FD9}" srcOrd="0" destOrd="0" presId="urn:microsoft.com/office/officeart/2011/layout/HexagonRadial"/>
@@ -4919,7 +4925,7 @@
           <a:p>
             <a:fld id="{41DA9887-9249-49FD-809A-BACB264048C3}" type="datetimeFigureOut">
               <a:rPr lang="en-US" smtClean="0"/>
-              <a:t>11/16/2022</a:t>
+              <a:t>11/20/2022</a:t>
             </a:fld>
             <a:endParaRPr lang="en-US"/>
           </a:p>
@@ -5321,7 +5327,7 @@
           <a:p>
             <a:fld id="{08A707AD-71EE-4F71-BFB0-5CFFA7745367}" type="datetime1">
               <a:rPr lang="en-US" smtClean="0"/>
-              <a:t>11/16/2022</a:t>
+              <a:t>11/20/2022</a:t>
             </a:fld>
             <a:endParaRPr lang="en-US"/>
           </a:p>
@@ -5611,7 +5617,7 @@
           <a:p>
             <a:fld id="{CF6F9948-F8FC-4163-B3EE-CE0CD0EF91F9}" type="datetime1">
               <a:rPr lang="en-US" smtClean="0"/>
-              <a:t>11/16/2022</a:t>
+              <a:t>11/20/2022</a:t>
             </a:fld>
             <a:endParaRPr lang="en-US"/>
           </a:p>
@@ -5789,7 +5795,7 @@
           <a:p>
             <a:fld id="{090C3B62-4C74-4EE9-93F0-BE51AE88912F}" type="datetime1">
               <a:rPr lang="en-US" smtClean="0"/>
-              <a:t>11/16/2022</a:t>
+              <a:t>11/20/2022</a:t>
             </a:fld>
             <a:endParaRPr lang="en-US"/>
           </a:p>
@@ -6043,7 +6049,7 @@
           <a:p>
             <a:fld id="{D63A470F-AE83-4D43-9CAA-74593F94EAD0}" type="datetime1">
               <a:rPr lang="en-US" smtClean="0"/>
-              <a:t>11/16/2022</a:t>
+              <a:t>11/20/2022</a:t>
             </a:fld>
             <a:endParaRPr lang="en-US"/>
           </a:p>
@@ -6387,7 +6393,7 @@
           <a:p>
             <a:fld id="{E5B8C5BE-3403-4496-9B81-C40FD99BCC4A}" type="datetime1">
               <a:rPr lang="en-US" smtClean="0"/>
-              <a:t>11/16/2022</a:t>
+              <a:t>11/20/2022</a:t>
             </a:fld>
             <a:endParaRPr lang="en-US"/>
           </a:p>
@@ -6616,7 +6622,7 @@
           <a:p>
             <a:fld id="{B78E11C0-1713-41FC-9E65-ABB713C18815}" type="datetime1">
               <a:rPr lang="en-US" smtClean="0"/>
-              <a:t>11/16/2022</a:t>
+              <a:t>11/20/2022</a:t>
             </a:fld>
             <a:endParaRPr lang="en-US"/>
           </a:p>
@@ -6980,7 +6986,7 @@
           <a:p>
             <a:fld id="{555C483D-0DA7-48F4-B572-48ADE24F3969}" type="datetime1">
               <a:rPr lang="en-US" smtClean="0"/>
-              <a:t>11/16/2022</a:t>
+              <a:t>11/20/2022</a:t>
             </a:fld>
             <a:endParaRPr lang="en-US"/>
           </a:p>
@@ -7075,7 +7081,7 @@
           <a:p>
             <a:fld id="{4C06054D-416E-4D32-B207-3C4728F29C83}" type="datetime1">
               <a:rPr lang="en-US" smtClean="0"/>
-              <a:t>11/16/2022</a:t>
+              <a:t>11/20/2022</a:t>
             </a:fld>
             <a:endParaRPr lang="en-US"/>
           </a:p>
@@ -7297,7 +7303,7 @@
             <a:fld id="{B2F5E2FA-C428-4CE7-95B0-168D3259A5BB}" type="datetimeFigureOut">
               <a:rPr lang="en-US" smtClean="0"/>
               <a:pPr/>
-              <a:t>11/16/2022</a:t>
+              <a:t>11/20/2022</a:t>
             </a:fld>
             <a:endParaRPr lang="en-US"/>
           </a:p>
@@ -7468,7 +7474,7 @@
           <a:p>
             <a:fld id="{B34CF2DF-EBB2-4927-9B4B-28D12CAF900C}" type="datetime1">
               <a:rPr lang="en-US" smtClean="0"/>
-              <a:t>11/16/2022</a:t>
+              <a:t>11/20/2022</a:t>
             </a:fld>
             <a:endParaRPr lang="en-US"/>
           </a:p>
@@ -7743,7 +7749,7 @@
           <a:p>
             <a:fld id="{287D8537-E29A-46E3-9242-0E7B32B09241}" type="datetime1">
               <a:rPr lang="en-US" smtClean="0"/>
-              <a:t>11/16/2022</a:t>
+              <a:t>11/20/2022</a:t>
             </a:fld>
             <a:endParaRPr lang="en-US"/>
           </a:p>
@@ -7995,7 +8001,7 @@
           <a:p>
             <a:fld id="{0B8D9EDF-63DE-4DED-A3C4-232814F0B4D7}" type="datetime1">
               <a:rPr lang="en-US" smtClean="0"/>
-              <a:t>11/16/2022</a:t>
+              <a:t>11/20/2022</a:t>
             </a:fld>
             <a:endParaRPr lang="en-US"/>
           </a:p>
@@ -8206,7 +8212,7 @@
           <a:p>
             <a:fld id="{1DC34F13-F0A8-4E10-9ECC-0BA9AAA5E3EB}" type="datetime1">
               <a:rPr lang="en-US" smtClean="0"/>
-              <a:t>11/16/2022</a:t>
+              <a:t>11/20/2022</a:t>
             </a:fld>
             <a:endParaRPr lang="en-US"/>
           </a:p>
@@ -8711,6 +8717,61 @@
       </p:grpSpPr>
       <p:sp>
         <p:nvSpPr>
+          <p:cNvPr id="2" name="Title 1"/>
+          <p:cNvSpPr>
+            <a:spLocks noGrp="1"/>
+          </p:cNvSpPr>
+          <p:nvPr>
+            <p:ph type="title"/>
+          </p:nvPr>
+        </p:nvSpPr>
+        <p:spPr/>
+        <p:txBody>
+          <a:bodyPr/>
+          <a:lstStyle/>
+          <a:p>
+            <a:r>
+              <a:rPr lang="en-US" dirty="0"/>
+              <a:t>AWS Certified DevOps Engineer Professional</a:t>
+            </a:r>
+          </a:p>
+        </p:txBody>
+      </p:sp>
+      <p:sp>
+        <p:nvSpPr>
+          <p:cNvPr id="3" name="Content Placeholder 2"/>
+          <p:cNvSpPr>
+            <a:spLocks noGrp="1"/>
+          </p:cNvSpPr>
+          <p:nvPr>
+            <p:ph idx="1"/>
+          </p:nvPr>
+        </p:nvSpPr>
+        <p:spPr/>
+        <p:txBody>
+          <a:bodyPr/>
+          <a:lstStyle/>
+          <a:p>
+            <a:r>
+              <a:rPr lang="en-US" dirty="0"/>
+              <a:t>The AWS DevOps Engineer Professional exam is 170 minutes long with 40-65 multiple choice questions. </a:t>
+            </a:r>
+            <a:endParaRPr lang="en-US" dirty="0" smtClean="0"/>
+          </a:p>
+          <a:p>
+            <a:r>
+              <a:rPr lang="en-US" dirty="0" smtClean="0"/>
+              <a:t>The </a:t>
+            </a:r>
+            <a:r>
+              <a:rPr lang="en-US" dirty="0"/>
+              <a:t>exam focuses on SDLC automation; configuration management and infrastructure as code; high availability, disaster recovery, and fault tolerance; incident and event response; monitoring and logging; and policies and standards automation.</a:t>
+            </a:r>
+          </a:p>
+        </p:txBody>
+      </p:sp>
+      <p:sp>
+        <p:nvSpPr>
           <p:cNvPr id="4" name="Slide Number Placeholder 3"/>
           <p:cNvSpPr>
             <a:spLocks noGrp="1"/>
@@ -8728,6 +8789,60 @@
               <a:rPr lang="en-US" smtClean="0"/>
               <a:pPr/>
               <a:t>10</a:t>
+            </a:fld>
+            <a:endParaRPr lang="en-US" dirty="0"/>
+          </a:p>
+        </p:txBody>
+      </p:sp>
+    </p:spTree>
+    <p:extLst>
+      <p:ext uri="{BB962C8B-B14F-4D97-AF65-F5344CB8AC3E}">
+        <p14:creationId xmlns:p14="http://schemas.microsoft.com/office/powerpoint/2010/main" val="3850727043"/>
+      </p:ext>
+    </p:extLst>
+  </p:cSld>
+  <p:clrMapOvr>
+    <a:masterClrMapping/>
+  </p:clrMapOvr>
+</p:sld>
+</file>
+
+<file path=ppt/slides/slide11.xml><?xml version="1.0" encoding="utf-8"?>
+<p:sld xmlns:a="http://schemas.openxmlformats.org/drawingml/2006/main" xmlns:r="http://schemas.openxmlformats.org/officeDocument/2006/relationships" xmlns:p="http://schemas.openxmlformats.org/presentationml/2006/main">
+  <p:cSld>
+    <p:spTree>
+      <p:nvGrpSpPr>
+        <p:cNvPr id="1" name=""/>
+        <p:cNvGrpSpPr/>
+        <p:nvPr/>
+      </p:nvGrpSpPr>
+      <p:grpSpPr>
+        <a:xfrm>
+          <a:off x="0" y="0"/>
+          <a:ext cx="0" cy="0"/>
+          <a:chOff x="0" y="0"/>
+          <a:chExt cx="0" cy="0"/>
+        </a:xfrm>
+      </p:grpSpPr>
+      <p:sp>
+        <p:nvSpPr>
+          <p:cNvPr id="4" name="Slide Number Placeholder 3"/>
+          <p:cNvSpPr>
+            <a:spLocks noGrp="1"/>
+          </p:cNvSpPr>
+          <p:nvPr>
+            <p:ph type="sldNum" sz="quarter" idx="12"/>
+          </p:nvPr>
+        </p:nvSpPr>
+        <p:spPr/>
+        <p:txBody>
+          <a:bodyPr/>
+          <a:lstStyle/>
+          <a:p>
+            <a:fld id="{B8DACC02-A2BD-4578-8E03-6D891060A695}" type="slidenum">
+              <a:rPr lang="en-US" smtClean="0"/>
+              <a:pPr/>
+              <a:t>11</a:t>
             </a:fld>
             <a:endParaRPr lang="en-US" dirty="0"/>
           </a:p>
@@ -8770,7 +8885,7 @@
 </p:sld>
 </file>
 
-<file path=ppt/slides/slide11.xml><?xml version="1.0" encoding="utf-8"?>
+<file path=ppt/slides/slide12.xml><?xml version="1.0" encoding="utf-8"?>
 <p:sld xmlns:a="http://schemas.openxmlformats.org/drawingml/2006/main" xmlns:r="http://schemas.openxmlformats.org/officeDocument/2006/relationships" xmlns:p="http://schemas.openxmlformats.org/presentationml/2006/main">
   <p:cSld>
     <p:spTree>
@@ -8789,6 +8904,100 @@
       </p:grpSpPr>
       <p:sp>
         <p:nvSpPr>
+          <p:cNvPr id="3" name="Title 2"/>
+          <p:cNvSpPr>
+            <a:spLocks noGrp="1"/>
+          </p:cNvSpPr>
+          <p:nvPr>
+            <p:ph type="title"/>
+          </p:nvPr>
+        </p:nvSpPr>
+        <p:spPr/>
+        <p:txBody>
+          <a:bodyPr/>
+          <a:lstStyle/>
+          <a:p>
+            <a:r>
+              <a:rPr lang="en-US" dirty="0"/>
+              <a:t>Docker Certified Associate </a:t>
+            </a:r>
+          </a:p>
+        </p:txBody>
+      </p:sp>
+      <p:sp>
+        <p:nvSpPr>
+          <p:cNvPr id="4" name="Text Placeholder 3"/>
+          <p:cNvSpPr>
+            <a:spLocks noGrp="1"/>
+          </p:cNvSpPr>
+          <p:nvPr>
+            <p:ph type="body" idx="1"/>
+          </p:nvPr>
+        </p:nvSpPr>
+        <p:spPr/>
+        <p:txBody>
+          <a:bodyPr/>
+          <a:lstStyle/>
+          <a:p>
+            <a:endParaRPr lang="en-US"/>
+          </a:p>
+        </p:txBody>
+      </p:sp>
+      <p:sp>
+        <p:nvSpPr>
+          <p:cNvPr id="2" name="Slide Number Placeholder 1"/>
+          <p:cNvSpPr>
+            <a:spLocks noGrp="1"/>
+          </p:cNvSpPr>
+          <p:nvPr>
+            <p:ph type="sldNum" sz="quarter" idx="12"/>
+          </p:nvPr>
+        </p:nvSpPr>
+        <p:spPr/>
+        <p:txBody>
+          <a:bodyPr/>
+          <a:lstStyle/>
+          <a:p>
+            <a:fld id="{B8DACC02-A2BD-4578-8E03-6D891060A695}" type="slidenum">
+              <a:rPr lang="en-US" smtClean="0"/>
+              <a:t>12</a:t>
+            </a:fld>
+            <a:endParaRPr lang="en-US"/>
+          </a:p>
+        </p:txBody>
+      </p:sp>
+    </p:spTree>
+    <p:extLst>
+      <p:ext uri="{BB962C8B-B14F-4D97-AF65-F5344CB8AC3E}">
+        <p14:creationId xmlns:p14="http://schemas.microsoft.com/office/powerpoint/2010/main" val="1947141531"/>
+      </p:ext>
+    </p:extLst>
+  </p:cSld>
+  <p:clrMapOvr>
+    <a:masterClrMapping/>
+  </p:clrMapOvr>
+</p:sld>
+</file>
+
+<file path=ppt/slides/slide13.xml><?xml version="1.0" encoding="utf-8"?>
+<p:sld xmlns:a="http://schemas.openxmlformats.org/drawingml/2006/main" xmlns:r="http://schemas.openxmlformats.org/officeDocument/2006/relationships" xmlns:p="http://schemas.openxmlformats.org/presentationml/2006/main">
+  <p:cSld>
+    <p:spTree>
+      <p:nvGrpSpPr>
+        <p:cNvPr id="1" name=""/>
+        <p:cNvGrpSpPr/>
+        <p:nvPr/>
+      </p:nvGrpSpPr>
+      <p:grpSpPr>
+        <a:xfrm>
+          <a:off x="0" y="0"/>
+          <a:ext cx="0" cy="0"/>
+          <a:chOff x="0" y="0"/>
+          <a:chExt cx="0" cy="0"/>
+        </a:xfrm>
+      </p:grpSpPr>
+      <p:sp>
+        <p:nvSpPr>
           <p:cNvPr id="2" name="Title 1"/>
           <p:cNvSpPr>
             <a:spLocks noGrp="1"/>
@@ -8827,7 +9036,7 @@
             <a:fld id="{B8DACC02-A2BD-4578-8E03-6D891060A695}" type="slidenum">
               <a:rPr lang="en-US" smtClean="0"/>
               <a:pPr/>
-              <a:t>11</a:t>
+              <a:t>13</a:t>
             </a:fld>
             <a:endParaRPr lang="en-US" dirty="0"/>
           </a:p>
@@ -8887,301 +9096,6 @@
 </p:sld>
 </file>
 
-<file path=ppt/slides/slide12.xml><?xml version="1.0" encoding="utf-8"?>
-<p:sld xmlns:a="http://schemas.openxmlformats.org/drawingml/2006/main" xmlns:r="http://schemas.openxmlformats.org/officeDocument/2006/relationships" xmlns:p="http://schemas.openxmlformats.org/presentationml/2006/main">
-  <p:cSld>
-    <p:spTree>
-      <p:nvGrpSpPr>
-        <p:cNvPr id="1" name=""/>
-        <p:cNvGrpSpPr/>
-        <p:nvPr/>
-      </p:nvGrpSpPr>
-      <p:grpSpPr>
-        <a:xfrm>
-          <a:off x="0" y="0"/>
-          <a:ext cx="0" cy="0"/>
-          <a:chOff x="0" y="0"/>
-          <a:chExt cx="0" cy="0"/>
-        </a:xfrm>
-      </p:grpSpPr>
-      <p:sp>
-        <p:nvSpPr>
-          <p:cNvPr id="2" name="Title 1"/>
-          <p:cNvSpPr>
-            <a:spLocks noGrp="1"/>
-          </p:cNvSpPr>
-          <p:nvPr>
-            <p:ph type="title"/>
-          </p:nvPr>
-        </p:nvSpPr>
-        <p:spPr/>
-        <p:txBody>
-          <a:bodyPr/>
-          <a:lstStyle/>
-          <a:p>
-            <a:r>
-              <a:rPr lang="en-US" dirty="0"/>
-              <a:t>Docker Certified Associate</a:t>
-            </a:r>
-          </a:p>
-        </p:txBody>
-      </p:sp>
-      <p:sp>
-        <p:nvSpPr>
-          <p:cNvPr id="3" name="Content Placeholder 2"/>
-          <p:cNvSpPr>
-            <a:spLocks noGrp="1"/>
-          </p:cNvSpPr>
-          <p:nvPr>
-            <p:ph idx="1"/>
-          </p:nvPr>
-        </p:nvSpPr>
-        <p:spPr/>
-        <p:txBody>
-          <a:bodyPr/>
-          <a:lstStyle/>
-          <a:p>
-            <a:r>
-              <a:rPr lang="en-US" dirty="0"/>
-              <a:t>The container management tool Docker is used in DevOps to manage software parts as isolated, self-sufficient containers that can be deployed and run in any environment. </a:t>
-            </a:r>
-            <a:endParaRPr lang="en-US" dirty="0" smtClean="0"/>
-          </a:p>
-          <a:p>
-            <a:r>
-              <a:rPr lang="en-US" dirty="0" smtClean="0"/>
-              <a:t>In </a:t>
-            </a:r>
-            <a:r>
-              <a:rPr lang="en-US" dirty="0"/>
-              <a:t>today’s job market, candidates with Docker skills are highly sought.</a:t>
-            </a:r>
-          </a:p>
-          <a:p>
-            <a:r>
-              <a:rPr lang="en-US" dirty="0" smtClean="0"/>
-              <a:t>The </a:t>
-            </a:r>
-            <a:r>
-              <a:rPr lang="en-US" dirty="0"/>
-              <a:t>Docker Certified Associate (DCA) certification is designed to validate that skillset with real world questions designed by experienced Docker practitioners. </a:t>
-            </a:r>
-            <a:endParaRPr lang="en-US" dirty="0" smtClean="0"/>
-          </a:p>
-          <a:p>
-            <a:r>
-              <a:rPr lang="en-US" dirty="0" smtClean="0"/>
-              <a:t>As </a:t>
-            </a:r>
-            <a:r>
-              <a:rPr lang="en-US" dirty="0"/>
-              <a:t>the first in a multi-tiered professional certification program, the DCA serves as a foundational benchmark for real world Docker skills across the container industry.</a:t>
-            </a:r>
-          </a:p>
-        </p:txBody>
-      </p:sp>
-      <p:sp>
-        <p:nvSpPr>
-          <p:cNvPr id="4" name="Slide Number Placeholder 3"/>
-          <p:cNvSpPr>
-            <a:spLocks noGrp="1"/>
-          </p:cNvSpPr>
-          <p:nvPr>
-            <p:ph type="sldNum" sz="quarter" idx="12"/>
-          </p:nvPr>
-        </p:nvSpPr>
-        <p:spPr/>
-        <p:txBody>
-          <a:bodyPr/>
-          <a:lstStyle/>
-          <a:p>
-            <a:fld id="{B8DACC02-A2BD-4578-8E03-6D891060A695}" type="slidenum">
-              <a:rPr lang="en-US" smtClean="0"/>
-              <a:pPr/>
-              <a:t>12</a:t>
-            </a:fld>
-            <a:endParaRPr lang="en-US" dirty="0"/>
-          </a:p>
-        </p:txBody>
-      </p:sp>
-    </p:spTree>
-    <p:extLst>
-      <p:ext uri="{BB962C8B-B14F-4D97-AF65-F5344CB8AC3E}">
-        <p14:creationId xmlns:p14="http://schemas.microsoft.com/office/powerpoint/2010/main" val="3155680369"/>
-      </p:ext>
-    </p:extLst>
-  </p:cSld>
-  <p:clrMapOvr>
-    <a:masterClrMapping/>
-  </p:clrMapOvr>
-</p:sld>
-</file>
-
-<file path=ppt/slides/slide13.xml><?xml version="1.0" encoding="utf-8"?>
-<p:sld xmlns:a="http://schemas.openxmlformats.org/drawingml/2006/main" xmlns:r="http://schemas.openxmlformats.org/officeDocument/2006/relationships" xmlns:p="http://schemas.openxmlformats.org/presentationml/2006/main">
-  <p:cSld>
-    <p:spTree>
-      <p:nvGrpSpPr>
-        <p:cNvPr id="1" name=""/>
-        <p:cNvGrpSpPr/>
-        <p:nvPr/>
-      </p:nvGrpSpPr>
-      <p:grpSpPr>
-        <a:xfrm>
-          <a:off x="0" y="0"/>
-          <a:ext cx="0" cy="0"/>
-          <a:chOff x="0" y="0"/>
-          <a:chExt cx="0" cy="0"/>
-        </a:xfrm>
-      </p:grpSpPr>
-      <p:sp>
-        <p:nvSpPr>
-          <p:cNvPr id="2" name="Title 1"/>
-          <p:cNvSpPr>
-            <a:spLocks noGrp="1"/>
-          </p:cNvSpPr>
-          <p:nvPr>
-            <p:ph type="title"/>
-          </p:nvPr>
-        </p:nvSpPr>
-        <p:spPr/>
-        <p:txBody>
-          <a:bodyPr/>
-          <a:lstStyle/>
-          <a:p>
-            <a:r>
-              <a:rPr lang="en-US" dirty="0"/>
-              <a:t>Docker Certified Associate</a:t>
-            </a:r>
-          </a:p>
-        </p:txBody>
-      </p:sp>
-      <p:sp>
-        <p:nvSpPr>
-          <p:cNvPr id="3" name="Content Placeholder 2"/>
-          <p:cNvSpPr>
-            <a:spLocks noGrp="1"/>
-          </p:cNvSpPr>
-          <p:nvPr>
-            <p:ph idx="1"/>
-          </p:nvPr>
-        </p:nvSpPr>
-        <p:spPr/>
-        <p:txBody>
-          <a:bodyPr>
-            <a:normAutofit/>
-          </a:bodyPr>
-          <a:lstStyle/>
-          <a:p>
-            <a:r>
-              <a:rPr lang="en-US" dirty="0"/>
-              <a:t>This certification course is ideal for Docker practitioners with 6+ months of experience. </a:t>
-            </a:r>
-            <a:endParaRPr lang="en-US" dirty="0" smtClean="0"/>
-          </a:p>
-          <a:p>
-            <a:r>
-              <a:rPr lang="en-US" dirty="0" smtClean="0"/>
-              <a:t>The </a:t>
-            </a:r>
-            <a:r>
-              <a:rPr lang="en-US" dirty="0"/>
-              <a:t>DCA exam is 90 minutes long and contains 55 multiple choice questions, proctored online. </a:t>
-            </a:r>
-            <a:endParaRPr lang="en-US" dirty="0" smtClean="0"/>
-          </a:p>
-          <a:p>
-            <a:r>
-              <a:rPr lang="en-US" dirty="0" smtClean="0"/>
-              <a:t>The </a:t>
-            </a:r>
-            <a:r>
-              <a:rPr lang="en-US" dirty="0"/>
-              <a:t>test covers the basics of a Docker ecosystem such as:</a:t>
-            </a:r>
-          </a:p>
-          <a:p>
-            <a:pPr lvl="1"/>
-            <a:r>
-              <a:rPr lang="en-US" dirty="0" smtClean="0"/>
-              <a:t>Orchestration</a:t>
-            </a:r>
-            <a:endParaRPr lang="en-US" dirty="0"/>
-          </a:p>
-          <a:p>
-            <a:pPr lvl="1"/>
-            <a:r>
-              <a:rPr lang="en-US" dirty="0"/>
-              <a:t>Security</a:t>
-            </a:r>
-          </a:p>
-          <a:p>
-            <a:pPr lvl="1"/>
-            <a:r>
-              <a:rPr lang="en-US" dirty="0"/>
-              <a:t>Networking</a:t>
-            </a:r>
-          </a:p>
-          <a:p>
-            <a:pPr lvl="1"/>
-            <a:r>
-              <a:rPr lang="en-US" dirty="0"/>
-              <a:t>Installation and configuration</a:t>
-            </a:r>
-          </a:p>
-          <a:p>
-            <a:pPr lvl="1"/>
-            <a:r>
-              <a:rPr lang="en-US" dirty="0"/>
-              <a:t>Image creation</a:t>
-            </a:r>
-          </a:p>
-          <a:p>
-            <a:pPr lvl="1"/>
-            <a:r>
-              <a:rPr lang="en-US" dirty="0"/>
-              <a:t>Management</a:t>
-            </a:r>
-          </a:p>
-        </p:txBody>
-      </p:sp>
-      <p:sp>
-        <p:nvSpPr>
-          <p:cNvPr id="4" name="Slide Number Placeholder 3"/>
-          <p:cNvSpPr>
-            <a:spLocks noGrp="1"/>
-          </p:cNvSpPr>
-          <p:nvPr>
-            <p:ph type="sldNum" sz="quarter" idx="12"/>
-          </p:nvPr>
-        </p:nvSpPr>
-        <p:spPr/>
-        <p:txBody>
-          <a:bodyPr/>
-          <a:lstStyle/>
-          <a:p>
-            <a:fld id="{B8DACC02-A2BD-4578-8E03-6D891060A695}" type="slidenum">
-              <a:rPr lang="en-US" smtClean="0"/>
-              <a:pPr/>
-              <a:t>13</a:t>
-            </a:fld>
-            <a:endParaRPr lang="en-US" dirty="0"/>
-          </a:p>
-        </p:txBody>
-      </p:sp>
-    </p:spTree>
-    <p:extLst>
-      <p:ext uri="{BB962C8B-B14F-4D97-AF65-F5344CB8AC3E}">
-        <p14:creationId xmlns:p14="http://schemas.microsoft.com/office/powerpoint/2010/main" val="1237903868"/>
-      </p:ext>
-    </p:extLst>
-  </p:cSld>
-  <p:clrMapOvr>
-    <a:masterClrMapping/>
-  </p:clrMapOvr>
-</p:sld>
-</file>
-
 <file path=ppt/slides/slide14.xml><?xml version="1.0" encoding="utf-8"?>
 <p:sld xmlns:a="http://schemas.openxmlformats.org/drawingml/2006/main" xmlns:r="http://schemas.openxmlformats.org/officeDocument/2006/relationships" xmlns:p="http://schemas.openxmlformats.org/presentationml/2006/main">
   <p:cSld>
@@ -9223,6 +9137,60 @@
       </p:sp>
       <p:sp>
         <p:nvSpPr>
+          <p:cNvPr id="3" name="Content Placeholder 2"/>
+          <p:cNvSpPr>
+            <a:spLocks noGrp="1"/>
+          </p:cNvSpPr>
+          <p:nvPr>
+            <p:ph idx="1"/>
+          </p:nvPr>
+        </p:nvSpPr>
+        <p:spPr/>
+        <p:txBody>
+          <a:bodyPr/>
+          <a:lstStyle/>
+          <a:p>
+            <a:r>
+              <a:rPr lang="en-US" dirty="0"/>
+              <a:t>The container management tool Docker is used in DevOps to manage software parts as isolated, self-sufficient containers that can be deployed and run in any environment. </a:t>
+            </a:r>
+            <a:endParaRPr lang="en-US" dirty="0" smtClean="0"/>
+          </a:p>
+          <a:p>
+            <a:r>
+              <a:rPr lang="en-US" dirty="0" smtClean="0"/>
+              <a:t>In </a:t>
+            </a:r>
+            <a:r>
+              <a:rPr lang="en-US" dirty="0"/>
+              <a:t>today’s job market, candidates with Docker skills are highly sought.</a:t>
+            </a:r>
+          </a:p>
+          <a:p>
+            <a:r>
+              <a:rPr lang="en-US" dirty="0" smtClean="0"/>
+              <a:t>The </a:t>
+            </a:r>
+            <a:r>
+              <a:rPr lang="en-US" dirty="0"/>
+              <a:t>Docker Certified Associate (DCA) certification is designed to validate that skillset with real world questions designed by experienced Docker practitioners. </a:t>
+            </a:r>
+            <a:endParaRPr lang="en-US" dirty="0" smtClean="0"/>
+          </a:p>
+          <a:p>
+            <a:r>
+              <a:rPr lang="en-US" dirty="0" smtClean="0"/>
+              <a:t>As </a:t>
+            </a:r>
+            <a:r>
+              <a:rPr lang="en-US" dirty="0"/>
+              <a:t>the first in a multi-tiered professional certification program, the DCA serves as a foundational benchmark for real world Docker skills across the container industry.</a:t>
+            </a:r>
+          </a:p>
+        </p:txBody>
+      </p:sp>
+      <p:sp>
+        <p:nvSpPr>
           <p:cNvPr id="4" name="Slide Number Placeholder 3"/>
           <p:cNvSpPr>
             <a:spLocks noGrp="1"/>
@@ -9240,6 +9208,247 @@
               <a:rPr lang="en-US" smtClean="0"/>
               <a:pPr/>
               <a:t>14</a:t>
+            </a:fld>
+            <a:endParaRPr lang="en-US" dirty="0"/>
+          </a:p>
+        </p:txBody>
+      </p:sp>
+    </p:spTree>
+    <p:extLst>
+      <p:ext uri="{BB962C8B-B14F-4D97-AF65-F5344CB8AC3E}">
+        <p14:creationId xmlns:p14="http://schemas.microsoft.com/office/powerpoint/2010/main" val="3155680369"/>
+      </p:ext>
+    </p:extLst>
+  </p:cSld>
+  <p:clrMapOvr>
+    <a:masterClrMapping/>
+  </p:clrMapOvr>
+</p:sld>
+</file>
+
+<file path=ppt/slides/slide15.xml><?xml version="1.0" encoding="utf-8"?>
+<p:sld xmlns:a="http://schemas.openxmlformats.org/drawingml/2006/main" xmlns:r="http://schemas.openxmlformats.org/officeDocument/2006/relationships" xmlns:p="http://schemas.openxmlformats.org/presentationml/2006/main">
+  <p:cSld>
+    <p:spTree>
+      <p:nvGrpSpPr>
+        <p:cNvPr id="1" name=""/>
+        <p:cNvGrpSpPr/>
+        <p:nvPr/>
+      </p:nvGrpSpPr>
+      <p:grpSpPr>
+        <a:xfrm>
+          <a:off x="0" y="0"/>
+          <a:ext cx="0" cy="0"/>
+          <a:chOff x="0" y="0"/>
+          <a:chExt cx="0" cy="0"/>
+        </a:xfrm>
+      </p:grpSpPr>
+      <p:sp>
+        <p:nvSpPr>
+          <p:cNvPr id="2" name="Title 1"/>
+          <p:cNvSpPr>
+            <a:spLocks noGrp="1"/>
+          </p:cNvSpPr>
+          <p:nvPr>
+            <p:ph type="title"/>
+          </p:nvPr>
+        </p:nvSpPr>
+        <p:spPr/>
+        <p:txBody>
+          <a:bodyPr/>
+          <a:lstStyle/>
+          <a:p>
+            <a:r>
+              <a:rPr lang="en-US" dirty="0"/>
+              <a:t>Docker Certified Associate</a:t>
+            </a:r>
+          </a:p>
+        </p:txBody>
+      </p:sp>
+      <p:sp>
+        <p:nvSpPr>
+          <p:cNvPr id="3" name="Content Placeholder 2"/>
+          <p:cNvSpPr>
+            <a:spLocks noGrp="1"/>
+          </p:cNvSpPr>
+          <p:nvPr>
+            <p:ph idx="1"/>
+          </p:nvPr>
+        </p:nvSpPr>
+        <p:spPr/>
+        <p:txBody>
+          <a:bodyPr>
+            <a:normAutofit/>
+          </a:bodyPr>
+          <a:lstStyle/>
+          <a:p>
+            <a:r>
+              <a:rPr lang="en-US" dirty="0"/>
+              <a:t>This certification course is ideal for Docker practitioners with 6+ months of experience. </a:t>
+            </a:r>
+            <a:endParaRPr lang="en-US" dirty="0" smtClean="0"/>
+          </a:p>
+          <a:p>
+            <a:r>
+              <a:rPr lang="en-US" dirty="0" smtClean="0"/>
+              <a:t>The </a:t>
+            </a:r>
+            <a:r>
+              <a:rPr lang="en-US" dirty="0"/>
+              <a:t>DCA exam is 90 minutes long and contains 55 multiple choice questions, proctored online. </a:t>
+            </a:r>
+            <a:endParaRPr lang="en-US" dirty="0" smtClean="0"/>
+          </a:p>
+          <a:p>
+            <a:r>
+              <a:rPr lang="en-US" dirty="0" smtClean="0"/>
+              <a:t>The </a:t>
+            </a:r>
+            <a:r>
+              <a:rPr lang="en-US" dirty="0"/>
+              <a:t>test covers the basics of a Docker ecosystem such as:</a:t>
+            </a:r>
+          </a:p>
+          <a:p>
+            <a:pPr lvl="1"/>
+            <a:r>
+              <a:rPr lang="en-US" dirty="0" smtClean="0"/>
+              <a:t>Orchestration</a:t>
+            </a:r>
+            <a:endParaRPr lang="en-US" dirty="0"/>
+          </a:p>
+          <a:p>
+            <a:pPr lvl="1"/>
+            <a:r>
+              <a:rPr lang="en-US" dirty="0"/>
+              <a:t>Security</a:t>
+            </a:r>
+          </a:p>
+          <a:p>
+            <a:pPr lvl="1"/>
+            <a:r>
+              <a:rPr lang="en-US" dirty="0"/>
+              <a:t>Networking</a:t>
+            </a:r>
+          </a:p>
+          <a:p>
+            <a:pPr lvl="1"/>
+            <a:r>
+              <a:rPr lang="en-US" dirty="0"/>
+              <a:t>Installation and configuration</a:t>
+            </a:r>
+          </a:p>
+          <a:p>
+            <a:pPr lvl="1"/>
+            <a:r>
+              <a:rPr lang="en-US" dirty="0"/>
+              <a:t>Image creation</a:t>
+            </a:r>
+          </a:p>
+          <a:p>
+            <a:pPr lvl="1"/>
+            <a:r>
+              <a:rPr lang="en-US" dirty="0"/>
+              <a:t>Management</a:t>
+            </a:r>
+          </a:p>
+        </p:txBody>
+      </p:sp>
+      <p:sp>
+        <p:nvSpPr>
+          <p:cNvPr id="4" name="Slide Number Placeholder 3"/>
+          <p:cNvSpPr>
+            <a:spLocks noGrp="1"/>
+          </p:cNvSpPr>
+          <p:nvPr>
+            <p:ph type="sldNum" sz="quarter" idx="12"/>
+          </p:nvPr>
+        </p:nvSpPr>
+        <p:spPr/>
+        <p:txBody>
+          <a:bodyPr/>
+          <a:lstStyle/>
+          <a:p>
+            <a:fld id="{B8DACC02-A2BD-4578-8E03-6D891060A695}" type="slidenum">
+              <a:rPr lang="en-US" smtClean="0"/>
+              <a:pPr/>
+              <a:t>15</a:t>
+            </a:fld>
+            <a:endParaRPr lang="en-US" dirty="0"/>
+          </a:p>
+        </p:txBody>
+      </p:sp>
+    </p:spTree>
+    <p:extLst>
+      <p:ext uri="{BB962C8B-B14F-4D97-AF65-F5344CB8AC3E}">
+        <p14:creationId xmlns:p14="http://schemas.microsoft.com/office/powerpoint/2010/main" val="1237903868"/>
+      </p:ext>
+    </p:extLst>
+  </p:cSld>
+  <p:clrMapOvr>
+    <a:masterClrMapping/>
+  </p:clrMapOvr>
+</p:sld>
+</file>
+
+<file path=ppt/slides/slide16.xml><?xml version="1.0" encoding="utf-8"?>
+<p:sld xmlns:a="http://schemas.openxmlformats.org/drawingml/2006/main" xmlns:r="http://schemas.openxmlformats.org/officeDocument/2006/relationships" xmlns:p="http://schemas.openxmlformats.org/presentationml/2006/main">
+  <p:cSld>
+    <p:spTree>
+      <p:nvGrpSpPr>
+        <p:cNvPr id="1" name=""/>
+        <p:cNvGrpSpPr/>
+        <p:nvPr/>
+      </p:nvGrpSpPr>
+      <p:grpSpPr>
+        <a:xfrm>
+          <a:off x="0" y="0"/>
+          <a:ext cx="0" cy="0"/>
+          <a:chOff x="0" y="0"/>
+          <a:chExt cx="0" cy="0"/>
+        </a:xfrm>
+      </p:grpSpPr>
+      <p:sp>
+        <p:nvSpPr>
+          <p:cNvPr id="2" name="Title 1"/>
+          <p:cNvSpPr>
+            <a:spLocks noGrp="1"/>
+          </p:cNvSpPr>
+          <p:nvPr>
+            <p:ph type="title"/>
+          </p:nvPr>
+        </p:nvSpPr>
+        <p:spPr/>
+        <p:txBody>
+          <a:bodyPr/>
+          <a:lstStyle/>
+          <a:p>
+            <a:r>
+              <a:rPr lang="en-US" dirty="0"/>
+              <a:t>Docker Certified Associate</a:t>
+            </a:r>
+          </a:p>
+        </p:txBody>
+      </p:sp>
+      <p:sp>
+        <p:nvSpPr>
+          <p:cNvPr id="4" name="Slide Number Placeholder 3"/>
+          <p:cNvSpPr>
+            <a:spLocks noGrp="1"/>
+          </p:cNvSpPr>
+          <p:nvPr>
+            <p:ph type="sldNum" sz="quarter" idx="12"/>
+          </p:nvPr>
+        </p:nvSpPr>
+        <p:spPr/>
+        <p:txBody>
+          <a:bodyPr/>
+          <a:lstStyle/>
+          <a:p>
+            <a:fld id="{B8DACC02-A2BD-4578-8E03-6D891060A695}" type="slidenum">
+              <a:rPr lang="en-US" smtClean="0"/>
+              <a:pPr/>
+              <a:t>16</a:t>
             </a:fld>
             <a:endParaRPr lang="en-US" dirty="0"/>
           </a:p>
@@ -9282,7 +9491,7 @@
 </p:sld>
 </file>
 
-<file path=ppt/slides/slide15.xml><?xml version="1.0" encoding="utf-8"?>
+<file path=ppt/slides/slide17.xml><?xml version="1.0" encoding="utf-8"?>
 <p:sld xmlns:a="http://schemas.openxmlformats.org/drawingml/2006/main" xmlns:r="http://schemas.openxmlformats.org/officeDocument/2006/relationships" xmlns:p="http://schemas.openxmlformats.org/presentationml/2006/main">
   <p:cSld>
     <p:spTree>
@@ -9317,7 +9526,7 @@
             <a:fld id="{B8DACC02-A2BD-4578-8E03-6D891060A695}" type="slidenum">
               <a:rPr lang="en-US" smtClean="0"/>
               <a:pPr/>
-              <a:t>15</a:t>
+              <a:t>17</a:t>
             </a:fld>
             <a:endParaRPr lang="en-US" dirty="0"/>
           </a:p>
@@ -9384,7 +9593,7 @@
 </p:sld>
 </file>
 
-<file path=ppt/slides/slide16.xml><?xml version="1.0" encoding="utf-8"?>
+<file path=ppt/slides/slide18.xml><?xml version="1.0" encoding="utf-8"?>
 <p:sld xmlns:a="http://schemas.openxmlformats.org/drawingml/2006/main" xmlns:r="http://schemas.openxmlformats.org/officeDocument/2006/relationships" xmlns:p="http://schemas.openxmlformats.org/presentationml/2006/main">
   <p:cSld>
     <p:spTree>
@@ -9403,6 +9612,105 @@
       </p:grpSpPr>
       <p:sp>
         <p:nvSpPr>
+          <p:cNvPr id="3" name="Title 2"/>
+          <p:cNvSpPr>
+            <a:spLocks noGrp="1"/>
+          </p:cNvSpPr>
+          <p:nvPr>
+            <p:ph type="title"/>
+          </p:nvPr>
+        </p:nvSpPr>
+        <p:spPr/>
+        <p:txBody>
+          <a:bodyPr/>
+          <a:lstStyle/>
+          <a:p>
+            <a:r>
+              <a:rPr lang="en-US" dirty="0"/>
+              <a:t>Kubernetes </a:t>
+            </a:r>
+            <a:r>
+              <a:rPr lang="en-US" dirty="0" smtClean="0"/>
+              <a:t>Certifications</a:t>
+            </a:r>
+            <a:endParaRPr lang="en-US" dirty="0"/>
+          </a:p>
+        </p:txBody>
+      </p:sp>
+      <p:sp>
+        <p:nvSpPr>
+          <p:cNvPr id="4" name="Text Placeholder 3"/>
+          <p:cNvSpPr>
+            <a:spLocks noGrp="1"/>
+          </p:cNvSpPr>
+          <p:nvPr>
+            <p:ph type="body" idx="1"/>
+          </p:nvPr>
+        </p:nvSpPr>
+        <p:spPr/>
+        <p:txBody>
+          <a:bodyPr/>
+          <a:lstStyle/>
+          <a:p>
+            <a:endParaRPr lang="en-US"/>
+          </a:p>
+        </p:txBody>
+      </p:sp>
+      <p:sp>
+        <p:nvSpPr>
+          <p:cNvPr id="2" name="Slide Number Placeholder 1"/>
+          <p:cNvSpPr>
+            <a:spLocks noGrp="1"/>
+          </p:cNvSpPr>
+          <p:nvPr>
+            <p:ph type="sldNum" sz="quarter" idx="12"/>
+          </p:nvPr>
+        </p:nvSpPr>
+        <p:spPr/>
+        <p:txBody>
+          <a:bodyPr/>
+          <a:lstStyle/>
+          <a:p>
+            <a:fld id="{B8DACC02-A2BD-4578-8E03-6D891060A695}" type="slidenum">
+              <a:rPr lang="en-US" smtClean="0"/>
+              <a:t>18</a:t>
+            </a:fld>
+            <a:endParaRPr lang="en-US"/>
+          </a:p>
+        </p:txBody>
+      </p:sp>
+    </p:spTree>
+    <p:extLst>
+      <p:ext uri="{BB962C8B-B14F-4D97-AF65-F5344CB8AC3E}">
+        <p14:creationId xmlns:p14="http://schemas.microsoft.com/office/powerpoint/2010/main" val="3827487128"/>
+      </p:ext>
+    </p:extLst>
+  </p:cSld>
+  <p:clrMapOvr>
+    <a:masterClrMapping/>
+  </p:clrMapOvr>
+</p:sld>
+</file>
+
+<file path=ppt/slides/slide19.xml><?xml version="1.0" encoding="utf-8"?>
+<p:sld xmlns:a="http://schemas.openxmlformats.org/drawingml/2006/main" xmlns:r="http://schemas.openxmlformats.org/officeDocument/2006/relationships" xmlns:p="http://schemas.openxmlformats.org/presentationml/2006/main">
+  <p:cSld>
+    <p:spTree>
+      <p:nvGrpSpPr>
+        <p:cNvPr id="1" name=""/>
+        <p:cNvGrpSpPr/>
+        <p:nvPr/>
+      </p:nvGrpSpPr>
+      <p:grpSpPr>
+        <a:xfrm>
+          <a:off x="0" y="0"/>
+          <a:ext cx="0" cy="0"/>
+          <a:chOff x="0" y="0"/>
+          <a:chExt cx="0" cy="0"/>
+        </a:xfrm>
+      </p:grpSpPr>
+      <p:sp>
+        <p:nvSpPr>
           <p:cNvPr id="2" name="Title 1"/>
           <p:cNvSpPr>
             <a:spLocks noGrp="1"/>
@@ -9441,7 +9749,7 @@
             <a:fld id="{B8DACC02-A2BD-4578-8E03-6D891060A695}" type="slidenum">
               <a:rPr lang="en-US" smtClean="0"/>
               <a:pPr/>
-              <a:t>16</a:t>
+              <a:t>19</a:t>
             </a:fld>
             <a:endParaRPr lang="en-US" dirty="0"/>
           </a:p>
@@ -9499,481 +9807,6 @@
 </p:sld>
 </file>
 
-<file path=ppt/slides/slide17.xml><?xml version="1.0" encoding="utf-8"?>
-<p:sld xmlns:a="http://schemas.openxmlformats.org/drawingml/2006/main" xmlns:r="http://schemas.openxmlformats.org/officeDocument/2006/relationships" xmlns:p="http://schemas.openxmlformats.org/presentationml/2006/main">
-  <p:cSld>
-    <p:spTree>
-      <p:nvGrpSpPr>
-        <p:cNvPr id="1" name=""/>
-        <p:cNvGrpSpPr/>
-        <p:nvPr/>
-      </p:nvGrpSpPr>
-      <p:grpSpPr>
-        <a:xfrm>
-          <a:off x="0" y="0"/>
-          <a:ext cx="0" cy="0"/>
-          <a:chOff x="0" y="0"/>
-          <a:chExt cx="0" cy="0"/>
-        </a:xfrm>
-      </p:grpSpPr>
-      <p:sp>
-        <p:nvSpPr>
-          <p:cNvPr id="2" name="Title 1"/>
-          <p:cNvSpPr>
-            <a:spLocks noGrp="1"/>
-          </p:cNvSpPr>
-          <p:nvPr>
-            <p:ph type="title"/>
-          </p:nvPr>
-        </p:nvSpPr>
-        <p:spPr/>
-        <p:txBody>
-          <a:bodyPr/>
-          <a:lstStyle/>
-          <a:p>
-            <a:r>
-              <a:rPr lang="en-US" dirty="0"/>
-              <a:t>Kubernetes certifications</a:t>
-            </a:r>
-          </a:p>
-        </p:txBody>
-      </p:sp>
-      <p:sp>
-        <p:nvSpPr>
-          <p:cNvPr id="3" name="Content Placeholder 2"/>
-          <p:cNvSpPr>
-            <a:spLocks noGrp="1"/>
-          </p:cNvSpPr>
-          <p:nvPr>
-            <p:ph idx="1"/>
-          </p:nvPr>
-        </p:nvSpPr>
-        <p:spPr/>
-        <p:txBody>
-          <a:bodyPr>
-            <a:normAutofit lnSpcReduction="10000"/>
-          </a:bodyPr>
-          <a:lstStyle/>
-          <a:p>
-            <a:r>
-              <a:rPr lang="en-US" dirty="0"/>
-              <a:t>Kubernetes is an open-source container management system that automates the process of deploying and managing multi-container applications at scale</a:t>
-            </a:r>
-            <a:r>
-              <a:rPr lang="en-US" dirty="0" smtClean="0"/>
-              <a:t>.</a:t>
-            </a:r>
-          </a:p>
-          <a:p>
-            <a:r>
-              <a:rPr lang="en-US" dirty="0" smtClean="0"/>
-              <a:t>Kubernetes </a:t>
-            </a:r>
-            <a:r>
-              <a:rPr lang="en-US" dirty="0"/>
-              <a:t>paves the way for DevOps by enabling the team to keep pace with the requirements for software development, making it a power player in the world of DevOps certifications.</a:t>
-            </a:r>
-          </a:p>
-          <a:p>
-            <a:r>
-              <a:rPr lang="en-US" dirty="0" smtClean="0"/>
-              <a:t>The </a:t>
-            </a:r>
-            <a:r>
-              <a:rPr lang="en-US" dirty="0"/>
-              <a:t>Cloud Native Computing Foundation (CNCF) and the Linux Foundation collaborated to organize the Kubernetes certification program which validates professionals working on this software. </a:t>
-            </a:r>
-            <a:endParaRPr lang="en-US" dirty="0" smtClean="0"/>
-          </a:p>
-          <a:p>
-            <a:r>
-              <a:rPr lang="en-US" dirty="0" smtClean="0"/>
-              <a:t>There </a:t>
-            </a:r>
-            <a:r>
-              <a:rPr lang="en-US" dirty="0"/>
-              <a:t>are two certification options:</a:t>
-            </a:r>
-          </a:p>
-          <a:p>
-            <a:pPr lvl="1"/>
-            <a:r>
-              <a:rPr lang="en-US" dirty="0" smtClean="0"/>
-              <a:t>Certified </a:t>
-            </a:r>
-            <a:r>
-              <a:rPr lang="en-US" dirty="0"/>
-              <a:t>Kubernetes Administrator (CKA)</a:t>
-            </a:r>
-          </a:p>
-          <a:p>
-            <a:pPr lvl="1"/>
-            <a:r>
-              <a:rPr lang="en-US" dirty="0"/>
-              <a:t>Certified Kubernetes Application Developer (CKAD)</a:t>
-            </a:r>
-          </a:p>
-        </p:txBody>
-      </p:sp>
-      <p:sp>
-        <p:nvSpPr>
-          <p:cNvPr id="4" name="Slide Number Placeholder 3"/>
-          <p:cNvSpPr>
-            <a:spLocks noGrp="1"/>
-          </p:cNvSpPr>
-          <p:nvPr>
-            <p:ph type="sldNum" sz="quarter" idx="12"/>
-          </p:nvPr>
-        </p:nvSpPr>
-        <p:spPr/>
-        <p:txBody>
-          <a:bodyPr/>
-          <a:lstStyle/>
-          <a:p>
-            <a:fld id="{B8DACC02-A2BD-4578-8E03-6D891060A695}" type="slidenum">
-              <a:rPr lang="en-US" smtClean="0"/>
-              <a:pPr/>
-              <a:t>17</a:t>
-            </a:fld>
-            <a:endParaRPr lang="en-US" dirty="0"/>
-          </a:p>
-        </p:txBody>
-      </p:sp>
-    </p:spTree>
-    <p:extLst>
-      <p:ext uri="{BB962C8B-B14F-4D97-AF65-F5344CB8AC3E}">
-        <p14:creationId xmlns:p14="http://schemas.microsoft.com/office/powerpoint/2010/main" val="1065971193"/>
-      </p:ext>
-    </p:extLst>
-  </p:cSld>
-  <p:clrMapOvr>
-    <a:masterClrMapping/>
-  </p:clrMapOvr>
-</p:sld>
-</file>
-
-<file path=ppt/slides/slide18.xml><?xml version="1.0" encoding="utf-8"?>
-<p:sld xmlns:a="http://schemas.openxmlformats.org/drawingml/2006/main" xmlns:r="http://schemas.openxmlformats.org/officeDocument/2006/relationships" xmlns:p="http://schemas.openxmlformats.org/presentationml/2006/main">
-  <p:cSld>
-    <p:spTree>
-      <p:nvGrpSpPr>
-        <p:cNvPr id="1" name=""/>
-        <p:cNvGrpSpPr/>
-        <p:nvPr/>
-      </p:nvGrpSpPr>
-      <p:grpSpPr>
-        <a:xfrm>
-          <a:off x="0" y="0"/>
-          <a:ext cx="0" cy="0"/>
-          <a:chOff x="0" y="0"/>
-          <a:chExt cx="0" cy="0"/>
-        </a:xfrm>
-      </p:grpSpPr>
-      <p:sp>
-        <p:nvSpPr>
-          <p:cNvPr id="2" name="Title 1"/>
-          <p:cNvSpPr>
-            <a:spLocks noGrp="1"/>
-          </p:cNvSpPr>
-          <p:nvPr>
-            <p:ph type="title"/>
-          </p:nvPr>
-        </p:nvSpPr>
-        <p:spPr/>
-        <p:txBody>
-          <a:bodyPr/>
-          <a:lstStyle/>
-          <a:p>
-            <a:r>
-              <a:rPr lang="en-US" dirty="0"/>
-              <a:t>Certified Kubernetes Administrator (CKA)</a:t>
-            </a:r>
-          </a:p>
-        </p:txBody>
-      </p:sp>
-      <p:sp>
-        <p:nvSpPr>
-          <p:cNvPr id="3" name="Content Placeholder 2"/>
-          <p:cNvSpPr>
-            <a:spLocks noGrp="1"/>
-          </p:cNvSpPr>
-          <p:nvPr>
-            <p:ph idx="1"/>
-          </p:nvPr>
-        </p:nvSpPr>
-        <p:spPr/>
-        <p:txBody>
-          <a:bodyPr>
-            <a:normAutofit fontScale="92500"/>
-          </a:bodyPr>
-          <a:lstStyle/>
-          <a:p>
-            <a:r>
-              <a:rPr lang="en-US" dirty="0"/>
-              <a:t>The CKA program tests the skills, knowledge, and proficiency that a Kubernetes Administrator should possess.</a:t>
-            </a:r>
-          </a:p>
-          <a:p>
-            <a:r>
-              <a:rPr lang="en-US" dirty="0" smtClean="0"/>
-              <a:t>The </a:t>
-            </a:r>
-            <a:r>
-              <a:rPr lang="en-US" dirty="0"/>
-              <a:t>CKA exam is online and consists of a performance-based set of problems that the candidate must solve in a command line within three hours. </a:t>
-            </a:r>
-            <a:endParaRPr lang="en-US" dirty="0" smtClean="0"/>
-          </a:p>
-          <a:p>
-            <a:r>
-              <a:rPr lang="en-US" dirty="0" smtClean="0"/>
-              <a:t>The </a:t>
-            </a:r>
-            <a:r>
-              <a:rPr lang="en-US" dirty="0"/>
-              <a:t>test focuses on general Kubernetes features such as:</a:t>
-            </a:r>
-          </a:p>
-          <a:p>
-            <a:pPr lvl="1"/>
-            <a:r>
-              <a:rPr lang="en-US" dirty="0" smtClean="0"/>
-              <a:t>Application </a:t>
-            </a:r>
-            <a:r>
-              <a:rPr lang="en-US" dirty="0"/>
-              <a:t>lifecycle management</a:t>
-            </a:r>
-          </a:p>
-          <a:p>
-            <a:pPr lvl="1"/>
-            <a:r>
-              <a:rPr lang="en-US" dirty="0"/>
-              <a:t>Configuration</a:t>
-            </a:r>
-          </a:p>
-          <a:p>
-            <a:pPr lvl="1"/>
-            <a:r>
-              <a:rPr lang="en-US" dirty="0"/>
-              <a:t>Installation and validation</a:t>
-            </a:r>
-          </a:p>
-          <a:p>
-            <a:pPr lvl="1"/>
-            <a:r>
-              <a:rPr lang="en-US" dirty="0"/>
-              <a:t>Networking</a:t>
-            </a:r>
-          </a:p>
-          <a:p>
-            <a:pPr lvl="1"/>
-            <a:r>
-              <a:rPr lang="en-US" dirty="0"/>
-              <a:t>Scheduling</a:t>
-            </a:r>
-          </a:p>
-          <a:p>
-            <a:pPr lvl="1"/>
-            <a:r>
-              <a:rPr lang="en-US" dirty="0"/>
-              <a:t>Security</a:t>
-            </a:r>
-          </a:p>
-          <a:p>
-            <a:pPr lvl="1"/>
-            <a:r>
-              <a:rPr lang="en-US" dirty="0"/>
-              <a:t>Logging and monitoring</a:t>
-            </a:r>
-          </a:p>
-        </p:txBody>
-      </p:sp>
-      <p:sp>
-        <p:nvSpPr>
-          <p:cNvPr id="4" name="Slide Number Placeholder 3"/>
-          <p:cNvSpPr>
-            <a:spLocks noGrp="1"/>
-          </p:cNvSpPr>
-          <p:nvPr>
-            <p:ph type="sldNum" sz="quarter" idx="12"/>
-          </p:nvPr>
-        </p:nvSpPr>
-        <p:spPr/>
-        <p:txBody>
-          <a:bodyPr/>
-          <a:lstStyle/>
-          <a:p>
-            <a:fld id="{B8DACC02-A2BD-4578-8E03-6D891060A695}" type="slidenum">
-              <a:rPr lang="en-US" smtClean="0"/>
-              <a:pPr/>
-              <a:t>18</a:t>
-            </a:fld>
-            <a:endParaRPr lang="en-US" dirty="0"/>
-          </a:p>
-        </p:txBody>
-      </p:sp>
-    </p:spTree>
-    <p:extLst>
-      <p:ext uri="{BB962C8B-B14F-4D97-AF65-F5344CB8AC3E}">
-        <p14:creationId xmlns:p14="http://schemas.microsoft.com/office/powerpoint/2010/main" val="745321467"/>
-      </p:ext>
-    </p:extLst>
-  </p:cSld>
-  <p:clrMapOvr>
-    <a:masterClrMapping/>
-  </p:clrMapOvr>
-</p:sld>
-</file>
-
-<file path=ppt/slides/slide19.xml><?xml version="1.0" encoding="utf-8"?>
-<p:sld xmlns:a="http://schemas.openxmlformats.org/drawingml/2006/main" xmlns:r="http://schemas.openxmlformats.org/officeDocument/2006/relationships" xmlns:p="http://schemas.openxmlformats.org/presentationml/2006/main">
-  <p:cSld>
-    <p:spTree>
-      <p:nvGrpSpPr>
-        <p:cNvPr id="1" name=""/>
-        <p:cNvGrpSpPr/>
-        <p:nvPr/>
-      </p:nvGrpSpPr>
-      <p:grpSpPr>
-        <a:xfrm>
-          <a:off x="0" y="0"/>
-          <a:ext cx="0" cy="0"/>
-          <a:chOff x="0" y="0"/>
-          <a:chExt cx="0" cy="0"/>
-        </a:xfrm>
-      </p:grpSpPr>
-      <p:sp>
-        <p:nvSpPr>
-          <p:cNvPr id="2" name="Title 1"/>
-          <p:cNvSpPr>
-            <a:spLocks noGrp="1"/>
-          </p:cNvSpPr>
-          <p:nvPr>
-            <p:ph type="title"/>
-          </p:nvPr>
-        </p:nvSpPr>
-        <p:spPr/>
-        <p:txBody>
-          <a:bodyPr>
-            <a:normAutofit fontScale="90000"/>
-          </a:bodyPr>
-          <a:lstStyle/>
-          <a:p>
-            <a:r>
-              <a:rPr lang="en-US" dirty="0"/>
-              <a:t>Certified Kubernetes Application Developer (CKAD)</a:t>
-            </a:r>
-          </a:p>
-        </p:txBody>
-      </p:sp>
-      <p:sp>
-        <p:nvSpPr>
-          <p:cNvPr id="3" name="Content Placeholder 2"/>
-          <p:cNvSpPr>
-            <a:spLocks noGrp="1"/>
-          </p:cNvSpPr>
-          <p:nvPr>
-            <p:ph idx="1"/>
-          </p:nvPr>
-        </p:nvSpPr>
-        <p:spPr/>
-        <p:txBody>
-          <a:bodyPr>
-            <a:normAutofit lnSpcReduction="10000"/>
-          </a:bodyPr>
-          <a:lstStyle/>
-          <a:p>
-            <a:r>
-              <a:rPr lang="en-US" dirty="0"/>
-              <a:t>This CKAD certification is built for application developers that are looking to establish their credibility and expertise in the crowded market. </a:t>
-            </a:r>
-            <a:endParaRPr lang="en-US" dirty="0" smtClean="0"/>
-          </a:p>
-          <a:p>
-            <a:r>
-              <a:rPr lang="en-US" dirty="0" smtClean="0"/>
-              <a:t>Candidates </a:t>
-            </a:r>
-            <a:r>
-              <a:rPr lang="en-US" dirty="0"/>
-              <a:t>should be:</a:t>
-            </a:r>
-          </a:p>
-          <a:p>
-            <a:pPr lvl="1"/>
-            <a:r>
-              <a:rPr lang="en-US" dirty="0" smtClean="0"/>
-              <a:t>Skilled </a:t>
-            </a:r>
-            <a:r>
-              <a:rPr lang="en-US" dirty="0"/>
-              <a:t>in designing, building, exposing, and configuring native cloud applications for Kubernetes.</a:t>
-            </a:r>
-          </a:p>
-          <a:p>
-            <a:pPr lvl="1"/>
-            <a:r>
-              <a:rPr lang="en-US" dirty="0"/>
-              <a:t>Aware of application techniques for OCI-compliant container runtime, cloud native application concepts, infrastructure, and programming languages such as Python, Go, or Java.</a:t>
-            </a:r>
-          </a:p>
-          <a:p>
-            <a:r>
-              <a:rPr lang="en-US" dirty="0"/>
-              <a:t>This exam certifies a candidate’s experience, skills, application expertise, and familiarity with the Kubernetes environment. </a:t>
-            </a:r>
-            <a:endParaRPr lang="en-US" dirty="0" smtClean="0"/>
-          </a:p>
-          <a:p>
-            <a:r>
-              <a:rPr lang="en-US" dirty="0" smtClean="0"/>
-              <a:t>It </a:t>
-            </a:r>
-            <a:r>
-              <a:rPr lang="en-US" dirty="0"/>
-              <a:t>lasts two hours and covers core concepts, configuration, multi-container pod, observability, pod design, and services and networking.</a:t>
-            </a:r>
-          </a:p>
-        </p:txBody>
-      </p:sp>
-      <p:sp>
-        <p:nvSpPr>
-          <p:cNvPr id="4" name="Slide Number Placeholder 3"/>
-          <p:cNvSpPr>
-            <a:spLocks noGrp="1"/>
-          </p:cNvSpPr>
-          <p:nvPr>
-            <p:ph type="sldNum" sz="quarter" idx="12"/>
-          </p:nvPr>
-        </p:nvSpPr>
-        <p:spPr/>
-        <p:txBody>
-          <a:bodyPr/>
-          <a:lstStyle/>
-          <a:p>
-            <a:fld id="{B8DACC02-A2BD-4578-8E03-6D891060A695}" type="slidenum">
-              <a:rPr lang="en-US" smtClean="0"/>
-              <a:pPr/>
-              <a:t>19</a:t>
-            </a:fld>
-            <a:endParaRPr lang="en-US" dirty="0"/>
-          </a:p>
-        </p:txBody>
-      </p:sp>
-    </p:spTree>
-    <p:extLst>
-      <p:ext uri="{BB962C8B-B14F-4D97-AF65-F5344CB8AC3E}">
-        <p14:creationId xmlns:p14="http://schemas.microsoft.com/office/powerpoint/2010/main" val="4279499068"/>
-      </p:ext>
-    </p:extLst>
-  </p:cSld>
-  <p:clrMapOvr>
-    <a:masterClrMapping/>
-  </p:clrMapOvr>
-</p:sld>
-</file>
-
 <file path=ppt/slides/slide2.xml><?xml version="1.0" encoding="utf-8"?>
 <p:sld xmlns:a="http://schemas.openxmlformats.org/drawingml/2006/main" xmlns:r="http://schemas.openxmlformats.org/officeDocument/2006/relationships" xmlns:p="http://schemas.openxmlformats.org/presentationml/2006/main">
   <p:cSld>
@@ -10129,7 +9962,84 @@
           <a:p>
             <a:r>
               <a:rPr lang="en-US" dirty="0"/>
-              <a:t>Azure DevOps Certification Path</a:t>
+              <a:t>Kubernetes certifications</a:t>
+            </a:r>
+          </a:p>
+        </p:txBody>
+      </p:sp>
+      <p:sp>
+        <p:nvSpPr>
+          <p:cNvPr id="3" name="Content Placeholder 2"/>
+          <p:cNvSpPr>
+            <a:spLocks noGrp="1"/>
+          </p:cNvSpPr>
+          <p:nvPr>
+            <p:ph idx="1"/>
+          </p:nvPr>
+        </p:nvSpPr>
+        <p:spPr/>
+        <p:txBody>
+          <a:bodyPr>
+            <a:normAutofit lnSpcReduction="10000"/>
+          </a:bodyPr>
+          <a:lstStyle/>
+          <a:p>
+            <a:r>
+              <a:rPr lang="en-US" dirty="0"/>
+              <a:t>Kubernetes is an open-source container management system that automates the process of deploying and managing multi-container applications at scale</a:t>
+            </a:r>
+            <a:r>
+              <a:rPr lang="en-US" dirty="0" smtClean="0"/>
+              <a:t>.</a:t>
+            </a:r>
+          </a:p>
+          <a:p>
+            <a:r>
+              <a:rPr lang="en-US" dirty="0" smtClean="0"/>
+              <a:t>Kubernetes </a:t>
+            </a:r>
+            <a:r>
+              <a:rPr lang="en-US" dirty="0"/>
+              <a:t>paves the way for DevOps by enabling the team to keep pace with the requirements for software development, making it a power player in the world of DevOps certifications.</a:t>
+            </a:r>
+          </a:p>
+          <a:p>
+            <a:r>
+              <a:rPr lang="en-US" dirty="0" smtClean="0"/>
+              <a:t>The </a:t>
+            </a:r>
+            <a:r>
+              <a:rPr lang="en-US" dirty="0"/>
+              <a:t>Cloud Native Computing Foundation (CNCF) and the Linux Foundation collaborated to organize the Kubernetes certification program which validates professionals working on this software. </a:t>
+            </a:r>
+            <a:endParaRPr lang="en-US" dirty="0" smtClean="0"/>
+          </a:p>
+          <a:p>
+            <a:r>
+              <a:rPr lang="en-US" dirty="0" smtClean="0"/>
+              <a:t>There </a:t>
+            </a:r>
+            <a:r>
+              <a:rPr lang="en-US" dirty="0"/>
+              <a:t>are two certification options:</a:t>
+            </a:r>
+          </a:p>
+          <a:p>
+            <a:pPr lvl="1"/>
+            <a:r>
+              <a:rPr lang="en-US" dirty="0" smtClean="0"/>
+              <a:t>Certified </a:t>
+            </a:r>
+            <a:r>
+              <a:rPr lang="en-US" dirty="0"/>
+              <a:t>Kubernetes Administrator (CKA)</a:t>
+            </a:r>
+          </a:p>
+          <a:p>
+            <a:pPr lvl="1"/>
+            <a:r>
+              <a:rPr lang="en-US" dirty="0"/>
+              <a:t>Certified Kubernetes Application Developer (CKAD)</a:t>
             </a:r>
           </a:p>
         </p:txBody>
@@ -10153,6 +10063,504 @@
               <a:rPr lang="en-US" smtClean="0"/>
               <a:pPr/>
               <a:t>20</a:t>
+            </a:fld>
+            <a:endParaRPr lang="en-US" dirty="0"/>
+          </a:p>
+        </p:txBody>
+      </p:sp>
+    </p:spTree>
+    <p:extLst>
+      <p:ext uri="{BB962C8B-B14F-4D97-AF65-F5344CB8AC3E}">
+        <p14:creationId xmlns:p14="http://schemas.microsoft.com/office/powerpoint/2010/main" val="1065971193"/>
+      </p:ext>
+    </p:extLst>
+  </p:cSld>
+  <p:clrMapOvr>
+    <a:masterClrMapping/>
+  </p:clrMapOvr>
+</p:sld>
+</file>
+
+<file path=ppt/slides/slide21.xml><?xml version="1.0" encoding="utf-8"?>
+<p:sld xmlns:a="http://schemas.openxmlformats.org/drawingml/2006/main" xmlns:r="http://schemas.openxmlformats.org/officeDocument/2006/relationships" xmlns:p="http://schemas.openxmlformats.org/presentationml/2006/main">
+  <p:cSld>
+    <p:spTree>
+      <p:nvGrpSpPr>
+        <p:cNvPr id="1" name=""/>
+        <p:cNvGrpSpPr/>
+        <p:nvPr/>
+      </p:nvGrpSpPr>
+      <p:grpSpPr>
+        <a:xfrm>
+          <a:off x="0" y="0"/>
+          <a:ext cx="0" cy="0"/>
+          <a:chOff x="0" y="0"/>
+          <a:chExt cx="0" cy="0"/>
+        </a:xfrm>
+      </p:grpSpPr>
+      <p:sp>
+        <p:nvSpPr>
+          <p:cNvPr id="2" name="Title 1"/>
+          <p:cNvSpPr>
+            <a:spLocks noGrp="1"/>
+          </p:cNvSpPr>
+          <p:nvPr>
+            <p:ph type="title"/>
+          </p:nvPr>
+        </p:nvSpPr>
+        <p:spPr/>
+        <p:txBody>
+          <a:bodyPr/>
+          <a:lstStyle/>
+          <a:p>
+            <a:r>
+              <a:rPr lang="en-US" dirty="0"/>
+              <a:t>Certified Kubernetes Administrator (CKA)</a:t>
+            </a:r>
+          </a:p>
+        </p:txBody>
+      </p:sp>
+      <p:sp>
+        <p:nvSpPr>
+          <p:cNvPr id="3" name="Content Placeholder 2"/>
+          <p:cNvSpPr>
+            <a:spLocks noGrp="1"/>
+          </p:cNvSpPr>
+          <p:nvPr>
+            <p:ph idx="1"/>
+          </p:nvPr>
+        </p:nvSpPr>
+        <p:spPr/>
+        <p:txBody>
+          <a:bodyPr>
+            <a:normAutofit fontScale="92500"/>
+          </a:bodyPr>
+          <a:lstStyle/>
+          <a:p>
+            <a:r>
+              <a:rPr lang="en-US" dirty="0"/>
+              <a:t>The CKA program tests the skills, knowledge, and proficiency that a Kubernetes Administrator should possess.</a:t>
+            </a:r>
+          </a:p>
+          <a:p>
+            <a:r>
+              <a:rPr lang="en-US" dirty="0" smtClean="0"/>
+              <a:t>The </a:t>
+            </a:r>
+            <a:r>
+              <a:rPr lang="en-US" dirty="0"/>
+              <a:t>CKA exam is online and consists of a performance-based set of problems that the candidate must solve in a command line within three hours. </a:t>
+            </a:r>
+            <a:endParaRPr lang="en-US" dirty="0" smtClean="0"/>
+          </a:p>
+          <a:p>
+            <a:r>
+              <a:rPr lang="en-US" dirty="0" smtClean="0"/>
+              <a:t>The </a:t>
+            </a:r>
+            <a:r>
+              <a:rPr lang="en-US" dirty="0"/>
+              <a:t>test focuses on general Kubernetes features such as:</a:t>
+            </a:r>
+          </a:p>
+          <a:p>
+            <a:pPr lvl="1"/>
+            <a:r>
+              <a:rPr lang="en-US" dirty="0" smtClean="0"/>
+              <a:t>Application </a:t>
+            </a:r>
+            <a:r>
+              <a:rPr lang="en-US" dirty="0"/>
+              <a:t>lifecycle management</a:t>
+            </a:r>
+          </a:p>
+          <a:p>
+            <a:pPr lvl="1"/>
+            <a:r>
+              <a:rPr lang="en-US" dirty="0"/>
+              <a:t>Configuration</a:t>
+            </a:r>
+          </a:p>
+          <a:p>
+            <a:pPr lvl="1"/>
+            <a:r>
+              <a:rPr lang="en-US" dirty="0"/>
+              <a:t>Installation and validation</a:t>
+            </a:r>
+          </a:p>
+          <a:p>
+            <a:pPr lvl="1"/>
+            <a:r>
+              <a:rPr lang="en-US" dirty="0"/>
+              <a:t>Networking</a:t>
+            </a:r>
+          </a:p>
+          <a:p>
+            <a:pPr lvl="1"/>
+            <a:r>
+              <a:rPr lang="en-US" dirty="0"/>
+              <a:t>Scheduling</a:t>
+            </a:r>
+          </a:p>
+          <a:p>
+            <a:pPr lvl="1"/>
+            <a:r>
+              <a:rPr lang="en-US" dirty="0"/>
+              <a:t>Security</a:t>
+            </a:r>
+          </a:p>
+          <a:p>
+            <a:pPr lvl="1"/>
+            <a:r>
+              <a:rPr lang="en-US" dirty="0"/>
+              <a:t>Logging and monitoring</a:t>
+            </a:r>
+          </a:p>
+        </p:txBody>
+      </p:sp>
+      <p:sp>
+        <p:nvSpPr>
+          <p:cNvPr id="4" name="Slide Number Placeholder 3"/>
+          <p:cNvSpPr>
+            <a:spLocks noGrp="1"/>
+          </p:cNvSpPr>
+          <p:nvPr>
+            <p:ph type="sldNum" sz="quarter" idx="12"/>
+          </p:nvPr>
+        </p:nvSpPr>
+        <p:spPr/>
+        <p:txBody>
+          <a:bodyPr/>
+          <a:lstStyle/>
+          <a:p>
+            <a:fld id="{B8DACC02-A2BD-4578-8E03-6D891060A695}" type="slidenum">
+              <a:rPr lang="en-US" smtClean="0"/>
+              <a:pPr/>
+              <a:t>21</a:t>
+            </a:fld>
+            <a:endParaRPr lang="en-US" dirty="0"/>
+          </a:p>
+        </p:txBody>
+      </p:sp>
+    </p:spTree>
+    <p:extLst>
+      <p:ext uri="{BB962C8B-B14F-4D97-AF65-F5344CB8AC3E}">
+        <p14:creationId xmlns:p14="http://schemas.microsoft.com/office/powerpoint/2010/main" val="745321467"/>
+      </p:ext>
+    </p:extLst>
+  </p:cSld>
+  <p:clrMapOvr>
+    <a:masterClrMapping/>
+  </p:clrMapOvr>
+</p:sld>
+</file>
+
+<file path=ppt/slides/slide22.xml><?xml version="1.0" encoding="utf-8"?>
+<p:sld xmlns:a="http://schemas.openxmlformats.org/drawingml/2006/main" xmlns:r="http://schemas.openxmlformats.org/officeDocument/2006/relationships" xmlns:p="http://schemas.openxmlformats.org/presentationml/2006/main">
+  <p:cSld>
+    <p:spTree>
+      <p:nvGrpSpPr>
+        <p:cNvPr id="1" name=""/>
+        <p:cNvGrpSpPr/>
+        <p:nvPr/>
+      </p:nvGrpSpPr>
+      <p:grpSpPr>
+        <a:xfrm>
+          <a:off x="0" y="0"/>
+          <a:ext cx="0" cy="0"/>
+          <a:chOff x="0" y="0"/>
+          <a:chExt cx="0" cy="0"/>
+        </a:xfrm>
+      </p:grpSpPr>
+      <p:sp>
+        <p:nvSpPr>
+          <p:cNvPr id="2" name="Title 1"/>
+          <p:cNvSpPr>
+            <a:spLocks noGrp="1"/>
+          </p:cNvSpPr>
+          <p:nvPr>
+            <p:ph type="title"/>
+          </p:nvPr>
+        </p:nvSpPr>
+        <p:spPr/>
+        <p:txBody>
+          <a:bodyPr>
+            <a:normAutofit fontScale="90000"/>
+          </a:bodyPr>
+          <a:lstStyle/>
+          <a:p>
+            <a:r>
+              <a:rPr lang="en-US" dirty="0"/>
+              <a:t>Certified Kubernetes Application Developer (CKAD)</a:t>
+            </a:r>
+          </a:p>
+        </p:txBody>
+      </p:sp>
+      <p:sp>
+        <p:nvSpPr>
+          <p:cNvPr id="3" name="Content Placeholder 2"/>
+          <p:cNvSpPr>
+            <a:spLocks noGrp="1"/>
+          </p:cNvSpPr>
+          <p:nvPr>
+            <p:ph idx="1"/>
+          </p:nvPr>
+        </p:nvSpPr>
+        <p:spPr/>
+        <p:txBody>
+          <a:bodyPr>
+            <a:normAutofit lnSpcReduction="10000"/>
+          </a:bodyPr>
+          <a:lstStyle/>
+          <a:p>
+            <a:r>
+              <a:rPr lang="en-US" dirty="0"/>
+              <a:t>This CKAD certification is built for application developers that are looking to establish their credibility and expertise in the crowded market. </a:t>
+            </a:r>
+            <a:endParaRPr lang="en-US" dirty="0" smtClean="0"/>
+          </a:p>
+          <a:p>
+            <a:r>
+              <a:rPr lang="en-US" dirty="0" smtClean="0"/>
+              <a:t>Candidates </a:t>
+            </a:r>
+            <a:r>
+              <a:rPr lang="en-US" dirty="0"/>
+              <a:t>should be:</a:t>
+            </a:r>
+          </a:p>
+          <a:p>
+            <a:pPr lvl="1"/>
+            <a:r>
+              <a:rPr lang="en-US" dirty="0" smtClean="0"/>
+              <a:t>Skilled </a:t>
+            </a:r>
+            <a:r>
+              <a:rPr lang="en-US" dirty="0"/>
+              <a:t>in designing, building, exposing, and configuring native cloud applications for Kubernetes.</a:t>
+            </a:r>
+          </a:p>
+          <a:p>
+            <a:pPr lvl="1"/>
+            <a:r>
+              <a:rPr lang="en-US" dirty="0"/>
+              <a:t>Aware of application techniques for OCI-compliant container runtime, cloud native application concepts, infrastructure, and programming languages such as Python, Go, or Java.</a:t>
+            </a:r>
+          </a:p>
+          <a:p>
+            <a:r>
+              <a:rPr lang="en-US" dirty="0"/>
+              <a:t>This exam certifies a candidate’s experience, skills, application expertise, and familiarity with the Kubernetes environment. </a:t>
+            </a:r>
+            <a:endParaRPr lang="en-US" dirty="0" smtClean="0"/>
+          </a:p>
+          <a:p>
+            <a:r>
+              <a:rPr lang="en-US" dirty="0" smtClean="0"/>
+              <a:t>It </a:t>
+            </a:r>
+            <a:r>
+              <a:rPr lang="en-US" dirty="0"/>
+              <a:t>lasts two hours and covers core concepts, configuration, multi-container pod, observability, pod design, and services and networking.</a:t>
+            </a:r>
+          </a:p>
+        </p:txBody>
+      </p:sp>
+      <p:sp>
+        <p:nvSpPr>
+          <p:cNvPr id="4" name="Slide Number Placeholder 3"/>
+          <p:cNvSpPr>
+            <a:spLocks noGrp="1"/>
+          </p:cNvSpPr>
+          <p:nvPr>
+            <p:ph type="sldNum" sz="quarter" idx="12"/>
+          </p:nvPr>
+        </p:nvSpPr>
+        <p:spPr/>
+        <p:txBody>
+          <a:bodyPr/>
+          <a:lstStyle/>
+          <a:p>
+            <a:fld id="{B8DACC02-A2BD-4578-8E03-6D891060A695}" type="slidenum">
+              <a:rPr lang="en-US" smtClean="0"/>
+              <a:pPr/>
+              <a:t>22</a:t>
+            </a:fld>
+            <a:endParaRPr lang="en-US" dirty="0"/>
+          </a:p>
+        </p:txBody>
+      </p:sp>
+    </p:spTree>
+    <p:extLst>
+      <p:ext uri="{BB962C8B-B14F-4D97-AF65-F5344CB8AC3E}">
+        <p14:creationId xmlns:p14="http://schemas.microsoft.com/office/powerpoint/2010/main" val="4279499068"/>
+      </p:ext>
+    </p:extLst>
+  </p:cSld>
+  <p:clrMapOvr>
+    <a:masterClrMapping/>
+  </p:clrMapOvr>
+</p:sld>
+</file>
+
+<file path=ppt/slides/slide23.xml><?xml version="1.0" encoding="utf-8"?>
+<p:sld xmlns:a="http://schemas.openxmlformats.org/drawingml/2006/main" xmlns:r="http://schemas.openxmlformats.org/officeDocument/2006/relationships" xmlns:p="http://schemas.openxmlformats.org/presentationml/2006/main">
+  <p:cSld>
+    <p:spTree>
+      <p:nvGrpSpPr>
+        <p:cNvPr id="1" name=""/>
+        <p:cNvGrpSpPr/>
+        <p:nvPr/>
+      </p:nvGrpSpPr>
+      <p:grpSpPr>
+        <a:xfrm>
+          <a:off x="0" y="0"/>
+          <a:ext cx="0" cy="0"/>
+          <a:chOff x="0" y="0"/>
+          <a:chExt cx="0" cy="0"/>
+        </a:xfrm>
+      </p:grpSpPr>
+      <p:sp>
+        <p:nvSpPr>
+          <p:cNvPr id="5" name="Title 4"/>
+          <p:cNvSpPr>
+            <a:spLocks noGrp="1"/>
+          </p:cNvSpPr>
+          <p:nvPr>
+            <p:ph type="title"/>
+          </p:nvPr>
+        </p:nvSpPr>
+        <p:spPr/>
+        <p:txBody>
+          <a:bodyPr/>
+          <a:lstStyle/>
+          <a:p>
+            <a:r>
+              <a:rPr lang="en-US" dirty="0"/>
+              <a:t>Azure DevOps </a:t>
+            </a:r>
+            <a:r>
+              <a:rPr lang="en-US" dirty="0" smtClean="0"/>
+              <a:t>Certifications</a:t>
+            </a:r>
+            <a:endParaRPr lang="en-US" dirty="0"/>
+          </a:p>
+        </p:txBody>
+      </p:sp>
+      <p:sp>
+        <p:nvSpPr>
+          <p:cNvPr id="6" name="Text Placeholder 5"/>
+          <p:cNvSpPr>
+            <a:spLocks noGrp="1"/>
+          </p:cNvSpPr>
+          <p:nvPr>
+            <p:ph type="body" idx="1"/>
+          </p:nvPr>
+        </p:nvSpPr>
+        <p:spPr/>
+        <p:txBody>
+          <a:bodyPr/>
+          <a:lstStyle/>
+          <a:p>
+            <a:endParaRPr lang="en-US"/>
+          </a:p>
+        </p:txBody>
+      </p:sp>
+      <p:sp>
+        <p:nvSpPr>
+          <p:cNvPr id="4" name="Slide Number Placeholder 3"/>
+          <p:cNvSpPr>
+            <a:spLocks noGrp="1"/>
+          </p:cNvSpPr>
+          <p:nvPr>
+            <p:ph type="sldNum" sz="quarter" idx="12"/>
+          </p:nvPr>
+        </p:nvSpPr>
+        <p:spPr/>
+        <p:txBody>
+          <a:bodyPr/>
+          <a:lstStyle/>
+          <a:p>
+            <a:fld id="{B8DACC02-A2BD-4578-8E03-6D891060A695}" type="slidenum">
+              <a:rPr lang="en-US" smtClean="0"/>
+              <a:pPr/>
+              <a:t>23</a:t>
+            </a:fld>
+            <a:endParaRPr lang="en-US" dirty="0"/>
+          </a:p>
+        </p:txBody>
+      </p:sp>
+    </p:spTree>
+    <p:extLst>
+      <p:ext uri="{BB962C8B-B14F-4D97-AF65-F5344CB8AC3E}">
+        <p14:creationId xmlns:p14="http://schemas.microsoft.com/office/powerpoint/2010/main" val="3830450583"/>
+      </p:ext>
+    </p:extLst>
+  </p:cSld>
+  <p:clrMapOvr>
+    <a:masterClrMapping/>
+  </p:clrMapOvr>
+</p:sld>
+</file>
+
+<file path=ppt/slides/slide24.xml><?xml version="1.0" encoding="utf-8"?>
+<p:sld xmlns:a="http://schemas.openxmlformats.org/drawingml/2006/main" xmlns:r="http://schemas.openxmlformats.org/officeDocument/2006/relationships" xmlns:p="http://schemas.openxmlformats.org/presentationml/2006/main">
+  <p:cSld>
+    <p:spTree>
+      <p:nvGrpSpPr>
+        <p:cNvPr id="1" name=""/>
+        <p:cNvGrpSpPr/>
+        <p:nvPr/>
+      </p:nvGrpSpPr>
+      <p:grpSpPr>
+        <a:xfrm>
+          <a:off x="0" y="0"/>
+          <a:ext cx="0" cy="0"/>
+          <a:chOff x="0" y="0"/>
+          <a:chExt cx="0" cy="0"/>
+        </a:xfrm>
+      </p:grpSpPr>
+      <p:sp>
+        <p:nvSpPr>
+          <p:cNvPr id="2" name="Title 1"/>
+          <p:cNvSpPr>
+            <a:spLocks noGrp="1"/>
+          </p:cNvSpPr>
+          <p:nvPr>
+            <p:ph type="title"/>
+          </p:nvPr>
+        </p:nvSpPr>
+        <p:spPr/>
+        <p:txBody>
+          <a:bodyPr/>
+          <a:lstStyle/>
+          <a:p>
+            <a:r>
+              <a:rPr lang="en-US" dirty="0"/>
+              <a:t>Azure DevOps Certification Path</a:t>
+            </a:r>
+          </a:p>
+        </p:txBody>
+      </p:sp>
+      <p:sp>
+        <p:nvSpPr>
+          <p:cNvPr id="4" name="Slide Number Placeholder 3"/>
+          <p:cNvSpPr>
+            <a:spLocks noGrp="1"/>
+          </p:cNvSpPr>
+          <p:nvPr>
+            <p:ph type="sldNum" sz="quarter" idx="12"/>
+          </p:nvPr>
+        </p:nvSpPr>
+        <p:spPr/>
+        <p:txBody>
+          <a:bodyPr/>
+          <a:lstStyle/>
+          <a:p>
+            <a:fld id="{B8DACC02-A2BD-4578-8E03-6D891060A695}" type="slidenum">
+              <a:rPr lang="en-US" smtClean="0"/>
+              <a:pPr/>
+              <a:t>24</a:t>
             </a:fld>
             <a:endParaRPr lang="en-US" dirty="0"/>
           </a:p>
@@ -10212,532 +10620,6 @@
 </p:sld>
 </file>
 
-<file path=ppt/slides/slide21.xml><?xml version="1.0" encoding="utf-8"?>
-<p:sld xmlns:a="http://schemas.openxmlformats.org/drawingml/2006/main" xmlns:r="http://schemas.openxmlformats.org/officeDocument/2006/relationships" xmlns:p="http://schemas.openxmlformats.org/presentationml/2006/main">
-  <p:cSld>
-    <p:spTree>
-      <p:nvGrpSpPr>
-        <p:cNvPr id="1" name=""/>
-        <p:cNvGrpSpPr/>
-        <p:nvPr/>
-      </p:nvGrpSpPr>
-      <p:grpSpPr>
-        <a:xfrm>
-          <a:off x="0" y="0"/>
-          <a:ext cx="0" cy="0"/>
-          <a:chOff x="0" y="0"/>
-          <a:chExt cx="0" cy="0"/>
-        </a:xfrm>
-      </p:grpSpPr>
-      <p:sp>
-        <p:nvSpPr>
-          <p:cNvPr id="2" name="Title 1"/>
-          <p:cNvSpPr>
-            <a:spLocks noGrp="1"/>
-          </p:cNvSpPr>
-          <p:nvPr>
-            <p:ph type="title"/>
-          </p:nvPr>
-        </p:nvSpPr>
-        <p:spPr/>
-        <p:txBody>
-          <a:bodyPr/>
-          <a:lstStyle/>
-          <a:p>
-            <a:r>
-              <a:rPr lang="en-US" dirty="0"/>
-              <a:t>Azure DevOps Engineer Expert</a:t>
-            </a:r>
-          </a:p>
-        </p:txBody>
-      </p:sp>
-      <p:sp>
-        <p:nvSpPr>
-          <p:cNvPr id="3" name="Content Placeholder 2"/>
-          <p:cNvSpPr>
-            <a:spLocks noGrp="1"/>
-          </p:cNvSpPr>
-          <p:nvPr>
-            <p:ph idx="1"/>
-          </p:nvPr>
-        </p:nvSpPr>
-        <p:spPr/>
-        <p:txBody>
-          <a:bodyPr>
-            <a:normAutofit/>
-          </a:bodyPr>
-          <a:lstStyle/>
-          <a:p>
-            <a:r>
-              <a:rPr lang="en-US" dirty="0"/>
-              <a:t>Microsoft Azure is a cloud computing service giant, competing with AWS and the Google Cloud Platform. It offers a wide variety of services, including web servers, email servers, databases, file storage servers, virtual machines, user directories, and more.</a:t>
-            </a:r>
-          </a:p>
-          <a:p>
-            <a:r>
-              <a:rPr lang="en-US" dirty="0" smtClean="0"/>
-              <a:t>Incorporating </a:t>
-            </a:r>
-            <a:r>
-              <a:rPr lang="en-US" dirty="0"/>
-              <a:t>Azure DevOps simplifies and speeds up the entire DevOps process, providing faster and more reliable deployments</a:t>
-            </a:r>
-            <a:r>
-              <a:rPr lang="en-US" dirty="0" smtClean="0"/>
-              <a:t>.</a:t>
-            </a:r>
-            <a:endParaRPr lang="en-US" dirty="0"/>
-          </a:p>
-        </p:txBody>
-      </p:sp>
-      <p:sp>
-        <p:nvSpPr>
-          <p:cNvPr id="4" name="Slide Number Placeholder 3"/>
-          <p:cNvSpPr>
-            <a:spLocks noGrp="1"/>
-          </p:cNvSpPr>
-          <p:nvPr>
-            <p:ph type="sldNum" sz="quarter" idx="12"/>
-          </p:nvPr>
-        </p:nvSpPr>
-        <p:spPr/>
-        <p:txBody>
-          <a:bodyPr/>
-          <a:lstStyle/>
-          <a:p>
-            <a:fld id="{B8DACC02-A2BD-4578-8E03-6D891060A695}" type="slidenum">
-              <a:rPr lang="en-US" smtClean="0"/>
-              <a:pPr/>
-              <a:t>21</a:t>
-            </a:fld>
-            <a:endParaRPr lang="en-US" dirty="0"/>
-          </a:p>
-        </p:txBody>
-      </p:sp>
-    </p:spTree>
-    <p:extLst>
-      <p:ext uri="{BB962C8B-B14F-4D97-AF65-F5344CB8AC3E}">
-        <p14:creationId xmlns:p14="http://schemas.microsoft.com/office/powerpoint/2010/main" val="728808684"/>
-      </p:ext>
-    </p:extLst>
-  </p:cSld>
-  <p:clrMapOvr>
-    <a:masterClrMapping/>
-  </p:clrMapOvr>
-</p:sld>
-</file>
-
-<file path=ppt/slides/slide22.xml><?xml version="1.0" encoding="utf-8"?>
-<p:sld xmlns:a="http://schemas.openxmlformats.org/drawingml/2006/main" xmlns:r="http://schemas.openxmlformats.org/officeDocument/2006/relationships" xmlns:p="http://schemas.openxmlformats.org/presentationml/2006/main">
-  <p:cSld>
-    <p:spTree>
-      <p:nvGrpSpPr>
-        <p:cNvPr id="1" name=""/>
-        <p:cNvGrpSpPr/>
-        <p:nvPr/>
-      </p:nvGrpSpPr>
-      <p:grpSpPr>
-        <a:xfrm>
-          <a:off x="0" y="0"/>
-          <a:ext cx="0" cy="0"/>
-          <a:chOff x="0" y="0"/>
-          <a:chExt cx="0" cy="0"/>
-        </a:xfrm>
-      </p:grpSpPr>
-      <p:sp>
-        <p:nvSpPr>
-          <p:cNvPr id="2" name="Title 1"/>
-          <p:cNvSpPr>
-            <a:spLocks noGrp="1"/>
-          </p:cNvSpPr>
-          <p:nvPr>
-            <p:ph type="title"/>
-          </p:nvPr>
-        </p:nvSpPr>
-        <p:spPr/>
-        <p:txBody>
-          <a:bodyPr/>
-          <a:lstStyle/>
-          <a:p>
-            <a:r>
-              <a:rPr lang="en-US" dirty="0"/>
-              <a:t>Azure DevOps Engineer Expert</a:t>
-            </a:r>
-          </a:p>
-        </p:txBody>
-      </p:sp>
-      <p:sp>
-        <p:nvSpPr>
-          <p:cNvPr id="3" name="Content Placeholder 2"/>
-          <p:cNvSpPr>
-            <a:spLocks noGrp="1"/>
-          </p:cNvSpPr>
-          <p:nvPr>
-            <p:ph idx="1"/>
-          </p:nvPr>
-        </p:nvSpPr>
-        <p:spPr/>
-        <p:txBody>
-          <a:bodyPr>
-            <a:normAutofit/>
-          </a:bodyPr>
-          <a:lstStyle/>
-          <a:p>
-            <a:r>
-              <a:rPr lang="en-US" dirty="0" smtClean="0"/>
-              <a:t>Among </a:t>
-            </a:r>
-            <a:r>
-              <a:rPr lang="en-US" dirty="0"/>
-              <a:t>the several Azure certifications, Azure DevOps Engineer Expert certification validates the skills and expertise of Azure DevOps professionals specifically. </a:t>
-            </a:r>
-            <a:endParaRPr lang="en-US" dirty="0" smtClean="0"/>
-          </a:p>
-          <a:p>
-            <a:r>
-              <a:rPr lang="en-US" dirty="0" smtClean="0"/>
-              <a:t>Ideally</a:t>
-            </a:r>
-            <a:r>
-              <a:rPr lang="en-US" dirty="0"/>
-              <a:t>, these Azure professionals will already be working as DevOps engineers, designing and implementing DevOps best practices for the version control, build, release, compliance, testing, and infrastructure as code by using Azure technologies.</a:t>
-            </a:r>
-          </a:p>
-        </p:txBody>
-      </p:sp>
-      <p:sp>
-        <p:nvSpPr>
-          <p:cNvPr id="4" name="Slide Number Placeholder 3"/>
-          <p:cNvSpPr>
-            <a:spLocks noGrp="1"/>
-          </p:cNvSpPr>
-          <p:nvPr>
-            <p:ph type="sldNum" sz="quarter" idx="12"/>
-          </p:nvPr>
-        </p:nvSpPr>
-        <p:spPr/>
-        <p:txBody>
-          <a:bodyPr/>
-          <a:lstStyle/>
-          <a:p>
-            <a:fld id="{B8DACC02-A2BD-4578-8E03-6D891060A695}" type="slidenum">
-              <a:rPr lang="en-US" smtClean="0"/>
-              <a:pPr/>
-              <a:t>22</a:t>
-            </a:fld>
-            <a:endParaRPr lang="en-US" dirty="0"/>
-          </a:p>
-        </p:txBody>
-      </p:sp>
-    </p:spTree>
-    <p:extLst>
-      <p:ext uri="{BB962C8B-B14F-4D97-AF65-F5344CB8AC3E}">
-        <p14:creationId xmlns:p14="http://schemas.microsoft.com/office/powerpoint/2010/main" val="1496994406"/>
-      </p:ext>
-    </p:extLst>
-  </p:cSld>
-  <p:clrMapOvr>
-    <a:masterClrMapping/>
-  </p:clrMapOvr>
-</p:sld>
-</file>
-
-<file path=ppt/slides/slide23.xml><?xml version="1.0" encoding="utf-8"?>
-<p:sld xmlns:a="http://schemas.openxmlformats.org/drawingml/2006/main" xmlns:r="http://schemas.openxmlformats.org/officeDocument/2006/relationships" xmlns:p="http://schemas.openxmlformats.org/presentationml/2006/main">
-  <p:cSld>
-    <p:spTree>
-      <p:nvGrpSpPr>
-        <p:cNvPr id="1" name=""/>
-        <p:cNvGrpSpPr/>
-        <p:nvPr/>
-      </p:nvGrpSpPr>
-      <p:grpSpPr>
-        <a:xfrm>
-          <a:off x="0" y="0"/>
-          <a:ext cx="0" cy="0"/>
-          <a:chOff x="0" y="0"/>
-          <a:chExt cx="0" cy="0"/>
-        </a:xfrm>
-      </p:grpSpPr>
-      <p:sp>
-        <p:nvSpPr>
-          <p:cNvPr id="2" name="Title 1"/>
-          <p:cNvSpPr>
-            <a:spLocks noGrp="1"/>
-          </p:cNvSpPr>
-          <p:nvPr>
-            <p:ph type="title"/>
-          </p:nvPr>
-        </p:nvSpPr>
-        <p:spPr/>
-        <p:txBody>
-          <a:bodyPr/>
-          <a:lstStyle/>
-          <a:p>
-            <a:r>
-              <a:rPr lang="en-US" dirty="0"/>
-              <a:t>Azure DevOps Engineer Expert</a:t>
-            </a:r>
-          </a:p>
-        </p:txBody>
-      </p:sp>
-      <p:sp>
-        <p:nvSpPr>
-          <p:cNvPr id="3" name="Content Placeholder 2"/>
-          <p:cNvSpPr>
-            <a:spLocks noGrp="1"/>
-          </p:cNvSpPr>
-          <p:nvPr>
-            <p:ph idx="1"/>
-          </p:nvPr>
-        </p:nvSpPr>
-        <p:spPr/>
-        <p:txBody>
-          <a:bodyPr>
-            <a:normAutofit/>
-          </a:bodyPr>
-          <a:lstStyle/>
-          <a:p>
-            <a:r>
-              <a:rPr lang="en-US" dirty="0"/>
-              <a:t>The AZ-400 exam for Microsoft Azure DevOps Solutions certification exam contains 40-60 multiple choice questions and covers concepts like:</a:t>
-            </a:r>
-          </a:p>
-          <a:p>
-            <a:pPr lvl="1"/>
-            <a:r>
-              <a:rPr lang="en-US" dirty="0" smtClean="0"/>
-              <a:t>Designing </a:t>
-            </a:r>
-            <a:r>
-              <a:rPr lang="en-US" dirty="0"/>
-              <a:t>a DevOps strategy</a:t>
-            </a:r>
-          </a:p>
-          <a:p>
-            <a:pPr lvl="1"/>
-            <a:r>
-              <a:rPr lang="en-US" dirty="0"/>
-              <a:t>Implementing DevOps development processes</a:t>
-            </a:r>
-          </a:p>
-          <a:p>
-            <a:pPr lvl="1"/>
-            <a:r>
-              <a:rPr lang="en-US" dirty="0"/>
-              <a:t>Continuous integration</a:t>
-            </a:r>
-          </a:p>
-          <a:p>
-            <a:pPr lvl="1"/>
-            <a:r>
-              <a:rPr lang="en-US" dirty="0"/>
-              <a:t>Continuous delivery</a:t>
-            </a:r>
-          </a:p>
-          <a:p>
-            <a:pPr lvl="1"/>
-            <a:r>
-              <a:rPr lang="en-US" dirty="0"/>
-              <a:t>Application infrastructure</a:t>
-            </a:r>
-          </a:p>
-          <a:p>
-            <a:pPr lvl="1"/>
-            <a:r>
-              <a:rPr lang="en-US" dirty="0"/>
-              <a:t>Dependency management</a:t>
-            </a:r>
-          </a:p>
-          <a:p>
-            <a:pPr lvl="1"/>
-            <a:r>
-              <a:rPr lang="en-US" dirty="0"/>
-              <a:t>Continuous feedback</a:t>
-            </a:r>
-          </a:p>
-        </p:txBody>
-      </p:sp>
-      <p:sp>
-        <p:nvSpPr>
-          <p:cNvPr id="4" name="Slide Number Placeholder 3"/>
-          <p:cNvSpPr>
-            <a:spLocks noGrp="1"/>
-          </p:cNvSpPr>
-          <p:nvPr>
-            <p:ph type="sldNum" sz="quarter" idx="12"/>
-          </p:nvPr>
-        </p:nvSpPr>
-        <p:spPr/>
-        <p:txBody>
-          <a:bodyPr/>
-          <a:lstStyle/>
-          <a:p>
-            <a:fld id="{B8DACC02-A2BD-4578-8E03-6D891060A695}" type="slidenum">
-              <a:rPr lang="en-US" smtClean="0"/>
-              <a:pPr/>
-              <a:t>23</a:t>
-            </a:fld>
-            <a:endParaRPr lang="en-US" dirty="0"/>
-          </a:p>
-        </p:txBody>
-      </p:sp>
-    </p:spTree>
-    <p:extLst>
-      <p:ext uri="{BB962C8B-B14F-4D97-AF65-F5344CB8AC3E}">
-        <p14:creationId xmlns:p14="http://schemas.microsoft.com/office/powerpoint/2010/main" val="2514244472"/>
-      </p:ext>
-    </p:extLst>
-  </p:cSld>
-  <p:clrMapOvr>
-    <a:masterClrMapping/>
-  </p:clrMapOvr>
-</p:sld>
-</file>
-
-<file path=ppt/slides/slide24.xml><?xml version="1.0" encoding="utf-8"?>
-<p:sld xmlns:a="http://schemas.openxmlformats.org/drawingml/2006/main" xmlns:r="http://schemas.openxmlformats.org/officeDocument/2006/relationships" xmlns:p="http://schemas.openxmlformats.org/presentationml/2006/main">
-  <p:cSld>
-    <p:spTree>
-      <p:nvGrpSpPr>
-        <p:cNvPr id="1" name=""/>
-        <p:cNvGrpSpPr/>
-        <p:nvPr/>
-      </p:nvGrpSpPr>
-      <p:grpSpPr>
-        <a:xfrm>
-          <a:off x="0" y="0"/>
-          <a:ext cx="0" cy="0"/>
-          <a:chOff x="0" y="0"/>
-          <a:chExt cx="0" cy="0"/>
-        </a:xfrm>
-      </p:grpSpPr>
-      <p:sp>
-        <p:nvSpPr>
-          <p:cNvPr id="2" name="Title 1"/>
-          <p:cNvSpPr>
-            <a:spLocks noGrp="1"/>
-          </p:cNvSpPr>
-          <p:nvPr>
-            <p:ph type="title"/>
-          </p:nvPr>
-        </p:nvSpPr>
-        <p:spPr/>
-        <p:txBody>
-          <a:bodyPr/>
-          <a:lstStyle/>
-          <a:p>
-            <a:r>
-              <a:rPr lang="en-US" dirty="0"/>
-              <a:t>Puppet Certified Professional</a:t>
-            </a:r>
-          </a:p>
-        </p:txBody>
-      </p:sp>
-      <p:sp>
-        <p:nvSpPr>
-          <p:cNvPr id="3" name="Content Placeholder 2"/>
-          <p:cNvSpPr>
-            <a:spLocks noGrp="1"/>
-          </p:cNvSpPr>
-          <p:nvPr>
-            <p:ph idx="1"/>
-          </p:nvPr>
-        </p:nvSpPr>
-        <p:spPr/>
-        <p:txBody>
-          <a:bodyPr>
-            <a:normAutofit/>
-          </a:bodyPr>
-          <a:lstStyle/>
-          <a:p>
-            <a:r>
-              <a:rPr lang="en-US" dirty="0"/>
-              <a:t>The Puppet Certified Professional acknowledges talented candidates based on macro-level knowledge of Puppet IT automation software. </a:t>
-            </a:r>
-            <a:endParaRPr lang="en-US" dirty="0" smtClean="0"/>
-          </a:p>
-          <a:p>
-            <a:r>
-              <a:rPr lang="en-US" dirty="0" smtClean="0"/>
-              <a:t>Ideal </a:t>
-            </a:r>
-            <a:r>
-              <a:rPr lang="en-US" dirty="0"/>
-              <a:t>candidates should:</a:t>
-            </a:r>
-          </a:p>
-          <a:p>
-            <a:pPr lvl="1"/>
-            <a:r>
-              <a:rPr lang="en-US" dirty="0" smtClean="0"/>
-              <a:t>Know </a:t>
-            </a:r>
-            <a:r>
-              <a:rPr lang="en-US" dirty="0"/>
-              <a:t>how to use the Forge to find and Apply modules</a:t>
-            </a:r>
-          </a:p>
-          <a:p>
-            <a:pPr lvl="1"/>
-            <a:r>
-              <a:rPr lang="en-US" dirty="0"/>
-              <a:t>Be familiar with troubleshooting strategies for Puppet code and core Puppet platform components</a:t>
-            </a:r>
-          </a:p>
-          <a:p>
-            <a:pPr lvl="1"/>
-            <a:r>
-              <a:rPr lang="en-US" dirty="0"/>
-              <a:t>Understand classification strategies and ways by which one can set class parameters and variables</a:t>
-            </a:r>
-          </a:p>
-          <a:p>
-            <a:pPr lvl="1"/>
-            <a:r>
-              <a:rPr lang="en-US" dirty="0"/>
-              <a:t>Understand module testing practices, module structure, and design and arrangement of roles and profiles</a:t>
-            </a:r>
-          </a:p>
-        </p:txBody>
-      </p:sp>
-      <p:sp>
-        <p:nvSpPr>
-          <p:cNvPr id="4" name="Slide Number Placeholder 3"/>
-          <p:cNvSpPr>
-            <a:spLocks noGrp="1"/>
-          </p:cNvSpPr>
-          <p:nvPr>
-            <p:ph type="sldNum" sz="quarter" idx="12"/>
-          </p:nvPr>
-        </p:nvSpPr>
-        <p:spPr/>
-        <p:txBody>
-          <a:bodyPr/>
-          <a:lstStyle/>
-          <a:p>
-            <a:fld id="{B8DACC02-A2BD-4578-8E03-6D891060A695}" type="slidenum">
-              <a:rPr lang="en-US" smtClean="0"/>
-              <a:pPr/>
-              <a:t>24</a:t>
-            </a:fld>
-            <a:endParaRPr lang="en-US" dirty="0"/>
-          </a:p>
-        </p:txBody>
-      </p:sp>
-    </p:spTree>
-    <p:extLst>
-      <p:ext uri="{BB962C8B-B14F-4D97-AF65-F5344CB8AC3E}">
-        <p14:creationId xmlns:p14="http://schemas.microsoft.com/office/powerpoint/2010/main" val="65917029"/>
-      </p:ext>
-    </p:extLst>
-  </p:cSld>
-  <p:clrMapOvr>
-    <a:masterClrMapping/>
-  </p:clrMapOvr>
-</p:sld>
-</file>
-
 <file path=ppt/slides/slide25.xml><?xml version="1.0" encoding="utf-8"?>
 <p:sld xmlns:a="http://schemas.openxmlformats.org/drawingml/2006/main" xmlns:r="http://schemas.openxmlformats.org/officeDocument/2006/relationships" xmlns:p="http://schemas.openxmlformats.org/presentationml/2006/main">
   <p:cSld>
@@ -10772,7 +10654,7 @@
           <a:p>
             <a:r>
               <a:rPr lang="en-US" dirty="0"/>
-              <a:t>Puppet Certified Professional</a:t>
+              <a:t>Azure DevOps Engineer Expert</a:t>
             </a:r>
           </a:p>
         </p:txBody>
@@ -10796,33 +10678,23 @@
           <a:p>
             <a:r>
               <a:rPr lang="en-US" dirty="0"/>
-              <a:t>One of the top DevOps certifications is Puppet 206 – System Administration Using Puppet Exam. </a:t>
-            </a:r>
-            <a:endParaRPr lang="en-US" dirty="0" smtClean="0"/>
+              <a:t>Microsoft Azure is a cloud computing service giant, competing with AWS and the Google Cloud Platform. It offers a wide variety of services, including web servers, email servers, databases, file storage servers, virtual machines, user directories, and more.</a:t>
+            </a:r>
           </a:p>
           <a:p>
             <a:r>
               <a:rPr lang="en-US" dirty="0" smtClean="0"/>
-              <a:t>This </a:t>
+              <a:t>Incorporating </a:t>
             </a:r>
             <a:r>
               <a:rPr lang="en-US" dirty="0"/>
-              <a:t>exam has 60 multiple choice questions with 90 minutes to </a:t>
+              <a:t>Azure DevOps simplifies and speeds up the entire DevOps process, providing faster and more reliable deployments</a:t>
             </a:r>
             <a:r>
               <a:rPr lang="en-US" dirty="0" smtClean="0"/>
-              <a:t>answer.</a:t>
-            </a:r>
-          </a:p>
-          <a:p>
-            <a:r>
-              <a:rPr lang="en-US" dirty="0" smtClean="0"/>
-              <a:t>Candidates </a:t>
-            </a:r>
-            <a:r>
-              <a:rPr lang="en-US" dirty="0"/>
-              <a:t>can prepare for the Puppet Certified Professional certification by opting for Puppet Practitioner Instructor-led training sessions and the Puppet Enterprise Users Guide.</a:t>
-            </a:r>
+              <a:t>.</a:t>
+            </a:r>
+            <a:endParaRPr lang="en-US" dirty="0"/>
           </a:p>
         </p:txBody>
       </p:sp>
@@ -10853,7 +10725,7 @@
     </p:spTree>
     <p:extLst>
       <p:ext uri="{BB962C8B-B14F-4D97-AF65-F5344CB8AC3E}">
-        <p14:creationId xmlns:p14="http://schemas.microsoft.com/office/powerpoint/2010/main" val="2168339851"/>
+        <p14:creationId xmlns:p14="http://schemas.microsoft.com/office/powerpoint/2010/main" val="728808684"/>
       </p:ext>
     </p:extLst>
   </p:cSld>
@@ -10897,7 +10769,46 @@
           <a:p>
             <a:r>
               <a:rPr lang="en-US" dirty="0"/>
-              <a:t>DevOps Institute</a:t>
+              <a:t>Azure DevOps Engineer Expert</a:t>
+            </a:r>
+          </a:p>
+        </p:txBody>
+      </p:sp>
+      <p:sp>
+        <p:nvSpPr>
+          <p:cNvPr id="3" name="Content Placeholder 2"/>
+          <p:cNvSpPr>
+            <a:spLocks noGrp="1"/>
+          </p:cNvSpPr>
+          <p:nvPr>
+            <p:ph idx="1"/>
+          </p:nvPr>
+        </p:nvSpPr>
+        <p:spPr/>
+        <p:txBody>
+          <a:bodyPr>
+            <a:normAutofit/>
+          </a:bodyPr>
+          <a:lstStyle/>
+          <a:p>
+            <a:r>
+              <a:rPr lang="en-US" dirty="0" smtClean="0"/>
+              <a:t>Among </a:t>
+            </a:r>
+            <a:r>
+              <a:rPr lang="en-US" dirty="0"/>
+              <a:t>the several Azure certifications, Azure DevOps Engineer Expert certification validates the skills and expertise of Azure DevOps professionals specifically. </a:t>
+            </a:r>
+            <a:endParaRPr lang="en-US" dirty="0" smtClean="0"/>
+          </a:p>
+          <a:p>
+            <a:r>
+              <a:rPr lang="en-US" dirty="0" smtClean="0"/>
+              <a:t>Ideally</a:t>
+            </a:r>
+            <a:r>
+              <a:rPr lang="en-US" dirty="0"/>
+              <a:t>, these Azure professionals will already be working as DevOps engineers, designing and implementing DevOps best practices for the version control, build, release, compliance, testing, and infrastructure as code by using Azure technologies.</a:t>
             </a:r>
           </a:p>
         </p:txBody>
@@ -10921,6 +10832,842 @@
               <a:rPr lang="en-US" smtClean="0"/>
               <a:pPr/>
               <a:t>26</a:t>
+            </a:fld>
+            <a:endParaRPr lang="en-US" dirty="0"/>
+          </a:p>
+        </p:txBody>
+      </p:sp>
+    </p:spTree>
+    <p:extLst>
+      <p:ext uri="{BB962C8B-B14F-4D97-AF65-F5344CB8AC3E}">
+        <p14:creationId xmlns:p14="http://schemas.microsoft.com/office/powerpoint/2010/main" val="1496994406"/>
+      </p:ext>
+    </p:extLst>
+  </p:cSld>
+  <p:clrMapOvr>
+    <a:masterClrMapping/>
+  </p:clrMapOvr>
+</p:sld>
+</file>
+
+<file path=ppt/slides/slide27.xml><?xml version="1.0" encoding="utf-8"?>
+<p:sld xmlns:a="http://schemas.openxmlformats.org/drawingml/2006/main" xmlns:r="http://schemas.openxmlformats.org/officeDocument/2006/relationships" xmlns:p="http://schemas.openxmlformats.org/presentationml/2006/main">
+  <p:cSld>
+    <p:spTree>
+      <p:nvGrpSpPr>
+        <p:cNvPr id="1" name=""/>
+        <p:cNvGrpSpPr/>
+        <p:nvPr/>
+      </p:nvGrpSpPr>
+      <p:grpSpPr>
+        <a:xfrm>
+          <a:off x="0" y="0"/>
+          <a:ext cx="0" cy="0"/>
+          <a:chOff x="0" y="0"/>
+          <a:chExt cx="0" cy="0"/>
+        </a:xfrm>
+      </p:grpSpPr>
+      <p:sp>
+        <p:nvSpPr>
+          <p:cNvPr id="2" name="Title 1"/>
+          <p:cNvSpPr>
+            <a:spLocks noGrp="1"/>
+          </p:cNvSpPr>
+          <p:nvPr>
+            <p:ph type="title"/>
+          </p:nvPr>
+        </p:nvSpPr>
+        <p:spPr/>
+        <p:txBody>
+          <a:bodyPr/>
+          <a:lstStyle/>
+          <a:p>
+            <a:r>
+              <a:rPr lang="en-US" dirty="0"/>
+              <a:t>Azure DevOps Engineer Expert</a:t>
+            </a:r>
+          </a:p>
+        </p:txBody>
+      </p:sp>
+      <p:sp>
+        <p:nvSpPr>
+          <p:cNvPr id="3" name="Content Placeholder 2"/>
+          <p:cNvSpPr>
+            <a:spLocks noGrp="1"/>
+          </p:cNvSpPr>
+          <p:nvPr>
+            <p:ph idx="1"/>
+          </p:nvPr>
+        </p:nvSpPr>
+        <p:spPr/>
+        <p:txBody>
+          <a:bodyPr>
+            <a:normAutofit/>
+          </a:bodyPr>
+          <a:lstStyle/>
+          <a:p>
+            <a:r>
+              <a:rPr lang="en-US" dirty="0"/>
+              <a:t>The AZ-400 exam for Microsoft Azure DevOps Solutions certification exam contains 40-60 multiple choice questions and covers concepts like:</a:t>
+            </a:r>
+          </a:p>
+          <a:p>
+            <a:pPr lvl="1"/>
+            <a:r>
+              <a:rPr lang="en-US" dirty="0" smtClean="0"/>
+              <a:t>Designing </a:t>
+            </a:r>
+            <a:r>
+              <a:rPr lang="en-US" dirty="0"/>
+              <a:t>a DevOps strategy</a:t>
+            </a:r>
+          </a:p>
+          <a:p>
+            <a:pPr lvl="1"/>
+            <a:r>
+              <a:rPr lang="en-US" dirty="0"/>
+              <a:t>Implementing DevOps development processes</a:t>
+            </a:r>
+          </a:p>
+          <a:p>
+            <a:pPr lvl="1"/>
+            <a:r>
+              <a:rPr lang="en-US" dirty="0"/>
+              <a:t>Continuous integration</a:t>
+            </a:r>
+          </a:p>
+          <a:p>
+            <a:pPr lvl="1"/>
+            <a:r>
+              <a:rPr lang="en-US" dirty="0"/>
+              <a:t>Continuous delivery</a:t>
+            </a:r>
+          </a:p>
+          <a:p>
+            <a:pPr lvl="1"/>
+            <a:r>
+              <a:rPr lang="en-US" dirty="0"/>
+              <a:t>Application infrastructure</a:t>
+            </a:r>
+          </a:p>
+          <a:p>
+            <a:pPr lvl="1"/>
+            <a:r>
+              <a:rPr lang="en-US" dirty="0"/>
+              <a:t>Dependency management</a:t>
+            </a:r>
+          </a:p>
+          <a:p>
+            <a:pPr lvl="1"/>
+            <a:r>
+              <a:rPr lang="en-US" dirty="0"/>
+              <a:t>Continuous feedback</a:t>
+            </a:r>
+          </a:p>
+        </p:txBody>
+      </p:sp>
+      <p:sp>
+        <p:nvSpPr>
+          <p:cNvPr id="4" name="Slide Number Placeholder 3"/>
+          <p:cNvSpPr>
+            <a:spLocks noGrp="1"/>
+          </p:cNvSpPr>
+          <p:nvPr>
+            <p:ph type="sldNum" sz="quarter" idx="12"/>
+          </p:nvPr>
+        </p:nvSpPr>
+        <p:spPr/>
+        <p:txBody>
+          <a:bodyPr/>
+          <a:lstStyle/>
+          <a:p>
+            <a:fld id="{B8DACC02-A2BD-4578-8E03-6D891060A695}" type="slidenum">
+              <a:rPr lang="en-US" smtClean="0"/>
+              <a:pPr/>
+              <a:t>27</a:t>
+            </a:fld>
+            <a:endParaRPr lang="en-US" dirty="0"/>
+          </a:p>
+        </p:txBody>
+      </p:sp>
+    </p:spTree>
+    <p:extLst>
+      <p:ext uri="{BB962C8B-B14F-4D97-AF65-F5344CB8AC3E}">
+        <p14:creationId xmlns:p14="http://schemas.microsoft.com/office/powerpoint/2010/main" val="2514244472"/>
+      </p:ext>
+    </p:extLst>
+  </p:cSld>
+  <p:clrMapOvr>
+    <a:masterClrMapping/>
+  </p:clrMapOvr>
+</p:sld>
+</file>
+
+<file path=ppt/slides/slide28.xml><?xml version="1.0" encoding="utf-8"?>
+<p:sld xmlns:a="http://schemas.openxmlformats.org/drawingml/2006/main" xmlns:r="http://schemas.openxmlformats.org/officeDocument/2006/relationships" xmlns:p="http://schemas.openxmlformats.org/presentationml/2006/main">
+  <p:cSld>
+    <p:spTree>
+      <p:nvGrpSpPr>
+        <p:cNvPr id="1" name=""/>
+        <p:cNvGrpSpPr/>
+        <p:nvPr/>
+      </p:nvGrpSpPr>
+      <p:grpSpPr>
+        <a:xfrm>
+          <a:off x="0" y="0"/>
+          <a:ext cx="0" cy="0"/>
+          <a:chOff x="0" y="0"/>
+          <a:chExt cx="0" cy="0"/>
+        </a:xfrm>
+      </p:grpSpPr>
+      <p:sp>
+        <p:nvSpPr>
+          <p:cNvPr id="5" name="Title 4"/>
+          <p:cNvSpPr>
+            <a:spLocks noGrp="1"/>
+          </p:cNvSpPr>
+          <p:nvPr>
+            <p:ph type="title"/>
+          </p:nvPr>
+        </p:nvSpPr>
+        <p:spPr/>
+        <p:txBody>
+          <a:bodyPr/>
+          <a:lstStyle/>
+          <a:p>
+            <a:r>
+              <a:rPr lang="en-US" dirty="0" smtClean="0"/>
+              <a:t>Puppet Certification</a:t>
+            </a:r>
+            <a:endParaRPr lang="en-US" dirty="0"/>
+          </a:p>
+        </p:txBody>
+      </p:sp>
+      <p:sp>
+        <p:nvSpPr>
+          <p:cNvPr id="6" name="Text Placeholder 5"/>
+          <p:cNvSpPr>
+            <a:spLocks noGrp="1"/>
+          </p:cNvSpPr>
+          <p:nvPr>
+            <p:ph type="body" idx="1"/>
+          </p:nvPr>
+        </p:nvSpPr>
+        <p:spPr/>
+        <p:txBody>
+          <a:bodyPr/>
+          <a:lstStyle/>
+          <a:p>
+            <a:endParaRPr lang="en-US"/>
+          </a:p>
+        </p:txBody>
+      </p:sp>
+      <p:sp>
+        <p:nvSpPr>
+          <p:cNvPr id="4" name="Slide Number Placeholder 3"/>
+          <p:cNvSpPr>
+            <a:spLocks noGrp="1"/>
+          </p:cNvSpPr>
+          <p:nvPr>
+            <p:ph type="sldNum" sz="quarter" idx="12"/>
+          </p:nvPr>
+        </p:nvSpPr>
+        <p:spPr/>
+        <p:txBody>
+          <a:bodyPr/>
+          <a:lstStyle/>
+          <a:p>
+            <a:fld id="{B8DACC02-A2BD-4578-8E03-6D891060A695}" type="slidenum">
+              <a:rPr lang="en-US" smtClean="0"/>
+              <a:pPr/>
+              <a:t>28</a:t>
+            </a:fld>
+            <a:endParaRPr lang="en-US" dirty="0"/>
+          </a:p>
+        </p:txBody>
+      </p:sp>
+    </p:spTree>
+    <p:extLst>
+      <p:ext uri="{BB962C8B-B14F-4D97-AF65-F5344CB8AC3E}">
+        <p14:creationId xmlns:p14="http://schemas.microsoft.com/office/powerpoint/2010/main" val="3619019731"/>
+      </p:ext>
+    </p:extLst>
+  </p:cSld>
+  <p:clrMapOvr>
+    <a:masterClrMapping/>
+  </p:clrMapOvr>
+</p:sld>
+</file>
+
+<file path=ppt/slides/slide29.xml><?xml version="1.0" encoding="utf-8"?>
+<p:sld xmlns:a="http://schemas.openxmlformats.org/drawingml/2006/main" xmlns:r="http://schemas.openxmlformats.org/officeDocument/2006/relationships" xmlns:p="http://schemas.openxmlformats.org/presentationml/2006/main">
+  <p:cSld>
+    <p:spTree>
+      <p:nvGrpSpPr>
+        <p:cNvPr id="1" name=""/>
+        <p:cNvGrpSpPr/>
+        <p:nvPr/>
+      </p:nvGrpSpPr>
+      <p:grpSpPr>
+        <a:xfrm>
+          <a:off x="0" y="0"/>
+          <a:ext cx="0" cy="0"/>
+          <a:chOff x="0" y="0"/>
+          <a:chExt cx="0" cy="0"/>
+        </a:xfrm>
+      </p:grpSpPr>
+      <p:sp>
+        <p:nvSpPr>
+          <p:cNvPr id="2" name="Title 1"/>
+          <p:cNvSpPr>
+            <a:spLocks noGrp="1"/>
+          </p:cNvSpPr>
+          <p:nvPr>
+            <p:ph type="title"/>
+          </p:nvPr>
+        </p:nvSpPr>
+        <p:spPr/>
+        <p:txBody>
+          <a:bodyPr/>
+          <a:lstStyle/>
+          <a:p>
+            <a:r>
+              <a:rPr lang="en-US" dirty="0"/>
+              <a:t>Puppet Certified Professional</a:t>
+            </a:r>
+          </a:p>
+        </p:txBody>
+      </p:sp>
+      <p:sp>
+        <p:nvSpPr>
+          <p:cNvPr id="3" name="Content Placeholder 2"/>
+          <p:cNvSpPr>
+            <a:spLocks noGrp="1"/>
+          </p:cNvSpPr>
+          <p:nvPr>
+            <p:ph idx="1"/>
+          </p:nvPr>
+        </p:nvSpPr>
+        <p:spPr/>
+        <p:txBody>
+          <a:bodyPr>
+            <a:normAutofit/>
+          </a:bodyPr>
+          <a:lstStyle/>
+          <a:p>
+            <a:r>
+              <a:rPr lang="en-US" dirty="0"/>
+              <a:t>The Puppet Certified Professional acknowledges talented candidates based on macro-level knowledge of Puppet IT automation software. </a:t>
+            </a:r>
+            <a:endParaRPr lang="en-US" dirty="0" smtClean="0"/>
+          </a:p>
+          <a:p>
+            <a:r>
+              <a:rPr lang="en-US" dirty="0" smtClean="0"/>
+              <a:t>Ideal </a:t>
+            </a:r>
+            <a:r>
+              <a:rPr lang="en-US" dirty="0"/>
+              <a:t>candidates should:</a:t>
+            </a:r>
+          </a:p>
+          <a:p>
+            <a:pPr lvl="1"/>
+            <a:r>
+              <a:rPr lang="en-US" dirty="0" smtClean="0"/>
+              <a:t>Know </a:t>
+            </a:r>
+            <a:r>
+              <a:rPr lang="en-US" dirty="0"/>
+              <a:t>how to use the Forge to find and Apply modules</a:t>
+            </a:r>
+          </a:p>
+          <a:p>
+            <a:pPr lvl="1"/>
+            <a:r>
+              <a:rPr lang="en-US" dirty="0"/>
+              <a:t>Be familiar with troubleshooting strategies for Puppet code and core Puppet platform components</a:t>
+            </a:r>
+          </a:p>
+          <a:p>
+            <a:pPr lvl="1"/>
+            <a:r>
+              <a:rPr lang="en-US" dirty="0"/>
+              <a:t>Understand classification strategies and ways by which one can set class parameters and variables</a:t>
+            </a:r>
+          </a:p>
+          <a:p>
+            <a:pPr lvl="1"/>
+            <a:r>
+              <a:rPr lang="en-US" dirty="0"/>
+              <a:t>Understand module testing practices, module structure, and design and arrangement of roles and profiles</a:t>
+            </a:r>
+          </a:p>
+        </p:txBody>
+      </p:sp>
+      <p:sp>
+        <p:nvSpPr>
+          <p:cNvPr id="4" name="Slide Number Placeholder 3"/>
+          <p:cNvSpPr>
+            <a:spLocks noGrp="1"/>
+          </p:cNvSpPr>
+          <p:nvPr>
+            <p:ph type="sldNum" sz="quarter" idx="12"/>
+          </p:nvPr>
+        </p:nvSpPr>
+        <p:spPr/>
+        <p:txBody>
+          <a:bodyPr/>
+          <a:lstStyle/>
+          <a:p>
+            <a:fld id="{B8DACC02-A2BD-4578-8E03-6D891060A695}" type="slidenum">
+              <a:rPr lang="en-US" smtClean="0"/>
+              <a:pPr/>
+              <a:t>29</a:t>
+            </a:fld>
+            <a:endParaRPr lang="en-US" dirty="0"/>
+          </a:p>
+        </p:txBody>
+      </p:sp>
+    </p:spTree>
+    <p:extLst>
+      <p:ext uri="{BB962C8B-B14F-4D97-AF65-F5344CB8AC3E}">
+        <p14:creationId xmlns:p14="http://schemas.microsoft.com/office/powerpoint/2010/main" val="65917029"/>
+      </p:ext>
+    </p:extLst>
+  </p:cSld>
+  <p:clrMapOvr>
+    <a:masterClrMapping/>
+  </p:clrMapOvr>
+</p:sld>
+</file>
+
+<file path=ppt/slides/slide3.xml><?xml version="1.0" encoding="utf-8"?>
+<p:sld xmlns:a="http://schemas.openxmlformats.org/drawingml/2006/main" xmlns:r="http://schemas.openxmlformats.org/officeDocument/2006/relationships" xmlns:p="http://schemas.openxmlformats.org/presentationml/2006/main">
+  <p:cSld>
+    <p:spTree>
+      <p:nvGrpSpPr>
+        <p:cNvPr id="1" name=""/>
+        <p:cNvGrpSpPr/>
+        <p:nvPr/>
+      </p:nvGrpSpPr>
+      <p:grpSpPr>
+        <a:xfrm>
+          <a:off x="0" y="0"/>
+          <a:ext cx="0" cy="0"/>
+          <a:chOff x="0" y="0"/>
+          <a:chExt cx="0" cy="0"/>
+        </a:xfrm>
+      </p:grpSpPr>
+      <p:sp>
+        <p:nvSpPr>
+          <p:cNvPr id="2" name="Title 1"/>
+          <p:cNvSpPr>
+            <a:spLocks noGrp="1"/>
+          </p:cNvSpPr>
+          <p:nvPr>
+            <p:ph type="title"/>
+          </p:nvPr>
+        </p:nvSpPr>
+        <p:spPr/>
+        <p:txBody>
+          <a:bodyPr/>
+          <a:lstStyle/>
+          <a:p>
+            <a:r>
+              <a:rPr lang="en-US" dirty="0"/>
+              <a:t>What is a DevOps certification?</a:t>
+            </a:r>
+          </a:p>
+        </p:txBody>
+      </p:sp>
+      <p:sp>
+        <p:nvSpPr>
+          <p:cNvPr id="3" name="Content Placeholder 2"/>
+          <p:cNvSpPr>
+            <a:spLocks noGrp="1"/>
+          </p:cNvSpPr>
+          <p:nvPr>
+            <p:ph idx="1"/>
+          </p:nvPr>
+        </p:nvSpPr>
+        <p:spPr/>
+        <p:txBody>
+          <a:bodyPr>
+            <a:normAutofit/>
+          </a:bodyPr>
+          <a:lstStyle/>
+          <a:p>
+            <a:r>
+              <a:rPr lang="en-US" dirty="0"/>
+              <a:t>A DevOps certification is a designation that demonstrates specific competency or expertise in skills and subject matter that are needed in order to be a successful DevOps professional. </a:t>
+            </a:r>
+            <a:endParaRPr lang="en-US" dirty="0" smtClean="0"/>
+          </a:p>
+          <a:p>
+            <a:r>
+              <a:rPr lang="en-US" dirty="0" smtClean="0"/>
+              <a:t>You </a:t>
+            </a:r>
+            <a:r>
+              <a:rPr lang="en-US" dirty="0"/>
+              <a:t>can typically earn these various certifications following any combination of:</a:t>
+            </a:r>
+          </a:p>
+          <a:p>
+            <a:pPr lvl="1"/>
+            <a:r>
+              <a:rPr lang="en-US" dirty="0" smtClean="0"/>
+              <a:t>Assessment </a:t>
+            </a:r>
+            <a:r>
+              <a:rPr lang="en-US" dirty="0"/>
+              <a:t>or exam</a:t>
+            </a:r>
+          </a:p>
+          <a:p>
+            <a:pPr lvl="1"/>
+            <a:r>
+              <a:rPr lang="en-US" dirty="0"/>
+              <a:t>Educational course</a:t>
+            </a:r>
+          </a:p>
+          <a:p>
+            <a:pPr lvl="1"/>
+            <a:r>
+              <a:rPr lang="en-US" dirty="0"/>
+              <a:t>Performance review</a:t>
+            </a:r>
+          </a:p>
+          <a:p>
+            <a:pPr lvl="1"/>
+            <a:r>
+              <a:rPr lang="en-US" dirty="0"/>
+              <a:t>Other ways to show that the candidate meets rigorous standards</a:t>
+            </a:r>
+          </a:p>
+        </p:txBody>
+      </p:sp>
+      <p:sp>
+        <p:nvSpPr>
+          <p:cNvPr id="4" name="Slide Number Placeholder 3"/>
+          <p:cNvSpPr>
+            <a:spLocks noGrp="1"/>
+          </p:cNvSpPr>
+          <p:nvPr>
+            <p:ph type="sldNum" sz="quarter" idx="12"/>
+          </p:nvPr>
+        </p:nvSpPr>
+        <p:spPr/>
+        <p:txBody>
+          <a:bodyPr/>
+          <a:lstStyle/>
+          <a:p>
+            <a:fld id="{B8DACC02-A2BD-4578-8E03-6D891060A695}" type="slidenum">
+              <a:rPr lang="en-US" smtClean="0"/>
+              <a:pPr/>
+              <a:t>3</a:t>
+            </a:fld>
+            <a:endParaRPr lang="en-US" dirty="0"/>
+          </a:p>
+        </p:txBody>
+      </p:sp>
+    </p:spTree>
+    <p:extLst>
+      <p:ext uri="{BB962C8B-B14F-4D97-AF65-F5344CB8AC3E}">
+        <p14:creationId xmlns:p14="http://schemas.microsoft.com/office/powerpoint/2010/main" val="332022368"/>
+      </p:ext>
+    </p:extLst>
+  </p:cSld>
+  <p:clrMapOvr>
+    <a:masterClrMapping/>
+  </p:clrMapOvr>
+</p:sld>
+</file>
+
+<file path=ppt/slides/slide30.xml><?xml version="1.0" encoding="utf-8"?>
+<p:sld xmlns:a="http://schemas.openxmlformats.org/drawingml/2006/main" xmlns:r="http://schemas.openxmlformats.org/officeDocument/2006/relationships" xmlns:p="http://schemas.openxmlformats.org/presentationml/2006/main">
+  <p:cSld>
+    <p:spTree>
+      <p:nvGrpSpPr>
+        <p:cNvPr id="1" name=""/>
+        <p:cNvGrpSpPr/>
+        <p:nvPr/>
+      </p:nvGrpSpPr>
+      <p:grpSpPr>
+        <a:xfrm>
+          <a:off x="0" y="0"/>
+          <a:ext cx="0" cy="0"/>
+          <a:chOff x="0" y="0"/>
+          <a:chExt cx="0" cy="0"/>
+        </a:xfrm>
+      </p:grpSpPr>
+      <p:sp>
+        <p:nvSpPr>
+          <p:cNvPr id="2" name="Title 1"/>
+          <p:cNvSpPr>
+            <a:spLocks noGrp="1"/>
+          </p:cNvSpPr>
+          <p:nvPr>
+            <p:ph type="title"/>
+          </p:nvPr>
+        </p:nvSpPr>
+        <p:spPr/>
+        <p:txBody>
+          <a:bodyPr/>
+          <a:lstStyle/>
+          <a:p>
+            <a:r>
+              <a:rPr lang="en-US" dirty="0"/>
+              <a:t>Puppet Certified Professional</a:t>
+            </a:r>
+          </a:p>
+        </p:txBody>
+      </p:sp>
+      <p:sp>
+        <p:nvSpPr>
+          <p:cNvPr id="3" name="Content Placeholder 2"/>
+          <p:cNvSpPr>
+            <a:spLocks noGrp="1"/>
+          </p:cNvSpPr>
+          <p:nvPr>
+            <p:ph idx="1"/>
+          </p:nvPr>
+        </p:nvSpPr>
+        <p:spPr/>
+        <p:txBody>
+          <a:bodyPr>
+            <a:normAutofit/>
+          </a:bodyPr>
+          <a:lstStyle/>
+          <a:p>
+            <a:r>
+              <a:rPr lang="en-US" dirty="0"/>
+              <a:t>One of the top DevOps certifications is Puppet 206 – System Administration Using Puppet Exam. </a:t>
+            </a:r>
+            <a:endParaRPr lang="en-US" dirty="0" smtClean="0"/>
+          </a:p>
+          <a:p>
+            <a:r>
+              <a:rPr lang="en-US" dirty="0" smtClean="0"/>
+              <a:t>This </a:t>
+            </a:r>
+            <a:r>
+              <a:rPr lang="en-US" dirty="0"/>
+              <a:t>exam has 60 multiple choice questions with 90 minutes to </a:t>
+            </a:r>
+            <a:r>
+              <a:rPr lang="en-US" dirty="0" smtClean="0"/>
+              <a:t>answer.</a:t>
+            </a:r>
+          </a:p>
+          <a:p>
+            <a:r>
+              <a:rPr lang="en-US" dirty="0" smtClean="0"/>
+              <a:t>Candidates </a:t>
+            </a:r>
+            <a:r>
+              <a:rPr lang="en-US" dirty="0"/>
+              <a:t>can prepare for the Puppet Certified Professional certification by opting for Puppet Practitioner Instructor-led training sessions and the Puppet Enterprise Users Guide.</a:t>
+            </a:r>
+          </a:p>
+        </p:txBody>
+      </p:sp>
+      <p:sp>
+        <p:nvSpPr>
+          <p:cNvPr id="4" name="Slide Number Placeholder 3"/>
+          <p:cNvSpPr>
+            <a:spLocks noGrp="1"/>
+          </p:cNvSpPr>
+          <p:nvPr>
+            <p:ph type="sldNum" sz="quarter" idx="12"/>
+          </p:nvPr>
+        </p:nvSpPr>
+        <p:spPr/>
+        <p:txBody>
+          <a:bodyPr/>
+          <a:lstStyle/>
+          <a:p>
+            <a:fld id="{B8DACC02-A2BD-4578-8E03-6D891060A695}" type="slidenum">
+              <a:rPr lang="en-US" smtClean="0"/>
+              <a:pPr/>
+              <a:t>30</a:t>
+            </a:fld>
+            <a:endParaRPr lang="en-US" dirty="0"/>
+          </a:p>
+        </p:txBody>
+      </p:sp>
+    </p:spTree>
+    <p:extLst>
+      <p:ext uri="{BB962C8B-B14F-4D97-AF65-F5344CB8AC3E}">
+        <p14:creationId xmlns:p14="http://schemas.microsoft.com/office/powerpoint/2010/main" val="2168339851"/>
+      </p:ext>
+    </p:extLst>
+  </p:cSld>
+  <p:clrMapOvr>
+    <a:masterClrMapping/>
+  </p:clrMapOvr>
+</p:sld>
+</file>
+
+<file path=ppt/slides/slide31.xml><?xml version="1.0" encoding="utf-8"?>
+<p:sld xmlns:a="http://schemas.openxmlformats.org/drawingml/2006/main" xmlns:r="http://schemas.openxmlformats.org/officeDocument/2006/relationships" xmlns:p="http://schemas.openxmlformats.org/presentationml/2006/main">
+  <p:cSld>
+    <p:spTree>
+      <p:nvGrpSpPr>
+        <p:cNvPr id="1" name=""/>
+        <p:cNvGrpSpPr/>
+        <p:nvPr/>
+      </p:nvGrpSpPr>
+      <p:grpSpPr>
+        <a:xfrm>
+          <a:off x="0" y="0"/>
+          <a:ext cx="0" cy="0"/>
+          <a:chOff x="0" y="0"/>
+          <a:chExt cx="0" cy="0"/>
+        </a:xfrm>
+      </p:grpSpPr>
+      <p:sp>
+        <p:nvSpPr>
+          <p:cNvPr id="5" name="Title 4"/>
+          <p:cNvSpPr>
+            <a:spLocks noGrp="1"/>
+          </p:cNvSpPr>
+          <p:nvPr>
+            <p:ph type="title"/>
+          </p:nvPr>
+        </p:nvSpPr>
+        <p:spPr/>
+        <p:txBody>
+          <a:bodyPr/>
+          <a:lstStyle/>
+          <a:p>
+            <a:r>
+              <a:rPr lang="en-US" dirty="0"/>
+              <a:t>DevOps </a:t>
+            </a:r>
+            <a:r>
+              <a:rPr lang="en-US" dirty="0" smtClean="0"/>
+              <a:t>Institute Certifications</a:t>
+            </a:r>
+            <a:endParaRPr lang="en-US" dirty="0"/>
+          </a:p>
+        </p:txBody>
+      </p:sp>
+      <p:sp>
+        <p:nvSpPr>
+          <p:cNvPr id="6" name="Text Placeholder 5"/>
+          <p:cNvSpPr>
+            <a:spLocks noGrp="1"/>
+          </p:cNvSpPr>
+          <p:nvPr>
+            <p:ph type="body" idx="1"/>
+          </p:nvPr>
+        </p:nvSpPr>
+        <p:spPr/>
+        <p:txBody>
+          <a:bodyPr/>
+          <a:lstStyle/>
+          <a:p>
+            <a:endParaRPr lang="en-US"/>
+          </a:p>
+        </p:txBody>
+      </p:sp>
+      <p:sp>
+        <p:nvSpPr>
+          <p:cNvPr id="4" name="Slide Number Placeholder 3"/>
+          <p:cNvSpPr>
+            <a:spLocks noGrp="1"/>
+          </p:cNvSpPr>
+          <p:nvPr>
+            <p:ph type="sldNum" sz="quarter" idx="12"/>
+          </p:nvPr>
+        </p:nvSpPr>
+        <p:spPr/>
+        <p:txBody>
+          <a:bodyPr/>
+          <a:lstStyle/>
+          <a:p>
+            <a:fld id="{B8DACC02-A2BD-4578-8E03-6D891060A695}" type="slidenum">
+              <a:rPr lang="en-US" smtClean="0"/>
+              <a:pPr/>
+              <a:t>31</a:t>
+            </a:fld>
+            <a:endParaRPr lang="en-US" dirty="0"/>
+          </a:p>
+        </p:txBody>
+      </p:sp>
+    </p:spTree>
+    <p:extLst>
+      <p:ext uri="{BB962C8B-B14F-4D97-AF65-F5344CB8AC3E}">
+        <p14:creationId xmlns:p14="http://schemas.microsoft.com/office/powerpoint/2010/main" val="1982782016"/>
+      </p:ext>
+    </p:extLst>
+  </p:cSld>
+  <p:clrMapOvr>
+    <a:masterClrMapping/>
+  </p:clrMapOvr>
+</p:sld>
+</file>
+
+<file path=ppt/slides/slide32.xml><?xml version="1.0" encoding="utf-8"?>
+<p:sld xmlns:a="http://schemas.openxmlformats.org/drawingml/2006/main" xmlns:r="http://schemas.openxmlformats.org/officeDocument/2006/relationships" xmlns:p="http://schemas.openxmlformats.org/presentationml/2006/main">
+  <p:cSld>
+    <p:spTree>
+      <p:nvGrpSpPr>
+        <p:cNvPr id="1" name=""/>
+        <p:cNvGrpSpPr/>
+        <p:nvPr/>
+      </p:nvGrpSpPr>
+      <p:grpSpPr>
+        <a:xfrm>
+          <a:off x="0" y="0"/>
+          <a:ext cx="0" cy="0"/>
+          <a:chOff x="0" y="0"/>
+          <a:chExt cx="0" cy="0"/>
+        </a:xfrm>
+      </p:grpSpPr>
+      <p:sp>
+        <p:nvSpPr>
+          <p:cNvPr id="2" name="Title 1"/>
+          <p:cNvSpPr>
+            <a:spLocks noGrp="1"/>
+          </p:cNvSpPr>
+          <p:nvPr>
+            <p:ph type="title"/>
+          </p:nvPr>
+        </p:nvSpPr>
+        <p:spPr/>
+        <p:txBody>
+          <a:bodyPr/>
+          <a:lstStyle/>
+          <a:p>
+            <a:r>
+              <a:rPr lang="en-US" dirty="0"/>
+              <a:t>DevOps Institute</a:t>
+            </a:r>
+          </a:p>
+        </p:txBody>
+      </p:sp>
+      <p:sp>
+        <p:nvSpPr>
+          <p:cNvPr id="4" name="Slide Number Placeholder 3"/>
+          <p:cNvSpPr>
+            <a:spLocks noGrp="1"/>
+          </p:cNvSpPr>
+          <p:nvPr>
+            <p:ph type="sldNum" sz="quarter" idx="12"/>
+          </p:nvPr>
+        </p:nvSpPr>
+        <p:spPr/>
+        <p:txBody>
+          <a:bodyPr/>
+          <a:lstStyle/>
+          <a:p>
+            <a:fld id="{B8DACC02-A2BD-4578-8E03-6D891060A695}" type="slidenum">
+              <a:rPr lang="en-US" smtClean="0"/>
+              <a:pPr/>
+              <a:t>32</a:t>
             </a:fld>
             <a:endParaRPr lang="en-US" dirty="0"/>
           </a:p>
@@ -10980,7 +11727,7 @@
 </p:sld>
 </file>
 
-<file path=ppt/slides/slide27.xml><?xml version="1.0" encoding="utf-8"?>
+<file path=ppt/slides/slide33.xml><?xml version="1.0" encoding="utf-8"?>
 <p:sld xmlns:a="http://schemas.openxmlformats.org/drawingml/2006/main" xmlns:r="http://schemas.openxmlformats.org/officeDocument/2006/relationships" xmlns:p="http://schemas.openxmlformats.org/presentationml/2006/main">
   <p:cSld>
     <p:spTree>
@@ -11084,7 +11831,7 @@
             <a:fld id="{B8DACC02-A2BD-4578-8E03-6D891060A695}" type="slidenum">
               <a:rPr lang="en-US" smtClean="0"/>
               <a:pPr/>
-              <a:t>27</a:t>
+              <a:t>33</a:t>
             </a:fld>
             <a:endParaRPr lang="en-US" dirty="0"/>
           </a:p>
@@ -11103,7 +11850,7 @@
 </p:sld>
 </file>
 
-<file path=ppt/slides/slide28.xml><?xml version="1.0" encoding="utf-8"?>
+<file path=ppt/slides/slide34.xml><?xml version="1.0" encoding="utf-8"?>
 <p:sld xmlns:a="http://schemas.openxmlformats.org/drawingml/2006/main" xmlns:r="http://schemas.openxmlformats.org/officeDocument/2006/relationships" xmlns:p="http://schemas.openxmlformats.org/presentationml/2006/main">
   <p:cSld>
     <p:spTree>
@@ -11219,7 +11966,7 @@
             <a:fld id="{B8DACC02-A2BD-4578-8E03-6D891060A695}" type="slidenum">
               <a:rPr lang="en-US" smtClean="0"/>
               <a:pPr/>
-              <a:t>28</a:t>
+              <a:t>34</a:t>
             </a:fld>
             <a:endParaRPr lang="en-US" dirty="0"/>
           </a:p>
@@ -11238,7 +11985,7 @@
 </p:sld>
 </file>
 
-<file path=ppt/slides/slide29.xml><?xml version="1.0" encoding="utf-8"?>
+<file path=ppt/slides/slide35.xml><?xml version="1.0" encoding="utf-8"?>
 <p:sld xmlns:a="http://schemas.openxmlformats.org/drawingml/2006/main" xmlns:r="http://schemas.openxmlformats.org/officeDocument/2006/relationships" xmlns:p="http://schemas.openxmlformats.org/presentationml/2006/main">
   <p:cSld>
     <p:spTree>
@@ -11342,7 +12089,7 @@
             <a:fld id="{B8DACC02-A2BD-4578-8E03-6D891060A695}" type="slidenum">
               <a:rPr lang="en-US" smtClean="0"/>
               <a:pPr/>
-              <a:t>29</a:t>
+              <a:t>35</a:t>
             </a:fld>
             <a:endParaRPr lang="en-US" dirty="0"/>
           </a:p>
@@ -11361,7 +12108,7 @@
 </p:sld>
 </file>
 
-<file path=ppt/slides/slide3.xml><?xml version="1.0" encoding="utf-8"?>
+<file path=ppt/slides/slide36.xml><?xml version="1.0" encoding="utf-8"?>
 <p:sld xmlns:a="http://schemas.openxmlformats.org/drawingml/2006/main" xmlns:r="http://schemas.openxmlformats.org/officeDocument/2006/relationships" xmlns:p="http://schemas.openxmlformats.org/presentationml/2006/main">
   <p:cSld>
     <p:spTree>
@@ -11395,7 +12142,7 @@
           <a:p>
             <a:r>
               <a:rPr lang="en-US" dirty="0"/>
-              <a:t>What is a DevOps certification?</a:t>
+              <a:t>DevOps Institute</a:t>
             </a:r>
           </a:p>
         </p:txBody>
@@ -11419,50 +12166,28 @@
           <a:p>
             <a:r>
               <a:rPr lang="en-US" dirty="0"/>
-              <a:t>A DevOps certification is a designation that demonstrates specific competency or expertise in skills and subject matter that are needed in order to be a successful DevOps professional. </a:t>
-            </a:r>
-            <a:endParaRPr lang="en-US" dirty="0" smtClean="0"/>
-          </a:p>
-          <a:p>
-            <a:r>
-              <a:rPr lang="en-US" dirty="0" smtClean="0"/>
-              <a:t>You </a:t>
-            </a:r>
+              <a:t>The DevOps Institute also offers multiple DevOps certifications that align with particular subsets of the DevOps methodology.</a:t>
+            </a:r>
+          </a:p>
+          <a:p>
+            <a:pPr lvl="1"/>
             <a:r>
               <a:rPr lang="en-US" dirty="0"/>
-              <a:t>can typically earn these various certifications following any combination of:</a:t>
+              <a:t>Continuous Delivery Ecosystem Foundation equips professionals with the competencies required with orchestrating and architecting proficient deployment pipelines for the modern organization.</a:t>
             </a:r>
           </a:p>
           <a:p>
             <a:pPr lvl="1"/>
             <a:r>
-              <a:rPr lang="en-US" dirty="0" smtClean="0"/>
-              <a:t>Assessment </a:t>
-            </a:r>
-            <a:r>
               <a:rPr lang="en-US" dirty="0"/>
-              <a:t>or exam</a:t>
+              <a:t>Site Reliability Engineering Foundation certification covers key concepts for improving service reliability, including SRE principles and practices; service level objectives and error budgets; monitoring and service level indicators; and SRE tools and automation.</a:t>
             </a:r>
           </a:p>
           <a:p>
             <a:pPr lvl="1"/>
             <a:r>
               <a:rPr lang="en-US" dirty="0"/>
-              <a:t>Educational course</a:t>
-            </a:r>
-          </a:p>
-          <a:p>
-            <a:pPr lvl="1"/>
-            <a:r>
-              <a:rPr lang="en-US" dirty="0"/>
-              <a:t>Performance review</a:t>
-            </a:r>
-          </a:p>
-          <a:p>
-            <a:pPr lvl="1"/>
-            <a:r>
-              <a:rPr lang="en-US" dirty="0"/>
-              <a:t>Other ways to show that the candidate meets rigorous standards</a:t>
+              <a:t>DevOps Test Engineering (DTE) addresses testing in a DevOps environment and covers concepts such as the active use of test automation, testing earlier in the development cycle (shift left), and instilling testing skills in developers, quality assurance, security, and operational teams.</a:t>
             </a:r>
           </a:p>
         </p:txBody>
@@ -11485,7 +12210,7 @@
             <a:fld id="{B8DACC02-A2BD-4578-8E03-6D891060A695}" type="slidenum">
               <a:rPr lang="en-US" smtClean="0"/>
               <a:pPr/>
-              <a:t>3</a:t>
+              <a:t>36</a:t>
             </a:fld>
             <a:endParaRPr lang="en-US" dirty="0"/>
           </a:p>
@@ -11494,7 +12219,7 @@
     </p:spTree>
     <p:extLst>
       <p:ext uri="{BB962C8B-B14F-4D97-AF65-F5344CB8AC3E}">
-        <p14:creationId xmlns:p14="http://schemas.microsoft.com/office/powerpoint/2010/main" val="332022368"/>
+        <p14:creationId xmlns:p14="http://schemas.microsoft.com/office/powerpoint/2010/main" val="2431647146"/>
       </p:ext>
     </p:extLst>
   </p:cSld>
@@ -11504,7 +12229,7 @@
 </p:sld>
 </file>
 
-<file path=ppt/slides/slide30.xml><?xml version="1.0" encoding="utf-8"?>
+<file path=ppt/slides/slide37.xml><?xml version="1.0" encoding="utf-8"?>
 <p:sld xmlns:a="http://schemas.openxmlformats.org/drawingml/2006/main" xmlns:r="http://schemas.openxmlformats.org/officeDocument/2006/relationships" xmlns:p="http://schemas.openxmlformats.org/presentationml/2006/main">
   <p:cSld>
     <p:spTree>
@@ -11538,7 +12263,7 @@
           <a:p>
             <a:r>
               <a:rPr lang="en-US" dirty="0"/>
-              <a:t>DevOps Institute</a:t>
+              <a:t>Importance of certifications for DevOps</a:t>
             </a:r>
           </a:p>
         </p:txBody>
@@ -11555,35 +12280,22 @@
         </p:nvSpPr>
         <p:spPr/>
         <p:txBody>
-          <a:bodyPr>
-            <a:normAutofit/>
-          </a:bodyPr>
+          <a:bodyPr/>
           <a:lstStyle/>
           <a:p>
             <a:r>
               <a:rPr lang="en-US" dirty="0"/>
-              <a:t>The DevOps Institute also offers multiple DevOps certifications that align with particular subsets of the DevOps methodology.</a:t>
-            </a:r>
-          </a:p>
-          <a:p>
-            <a:pPr lvl="1"/>
+              <a:t>As technology continues to evolve, so do companies, and regardless of their industry every company is becoming a technology company.</a:t>
+            </a:r>
+          </a:p>
+          <a:p>
+            <a:r>
+              <a:rPr lang="en-US" dirty="0" smtClean="0"/>
+              <a:t>By </a:t>
+            </a:r>
             <a:r>
               <a:rPr lang="en-US" dirty="0"/>
-              <a:t>Continuous Delivery Ecosystem Foundation equips professionals with the competencies required with orchestrating and architecting proficient deployment pipelines for the modern organization.</a:t>
-            </a:r>
-          </a:p>
-          <a:p>
-            <a:pPr lvl="1"/>
-            <a:r>
-              <a:rPr lang="en-US" dirty="0"/>
-              <a:t>Site Reliability Engineering Foundation certification covers key concepts for improving service reliability, including SRE principles and practices; service level objectives and error budgets; monitoring and service level indicators; and SRE tools and automation.</a:t>
-            </a:r>
-          </a:p>
-          <a:p>
-            <a:pPr lvl="1"/>
-            <a:r>
-              <a:rPr lang="en-US" dirty="0"/>
-              <a:t>DevOps Test Engineering (DTE) addresses testing in a DevOps environment and covers concepts such as the active use of test automation, testing earlier in the development cycle (shift left), and instilling testing skills in developers, quality assurance, security, and operational teams.</a:t>
+              <a:t>obtaining one of these valuable DevOps certifications, engineers ensure not only that they remain competitive in their field, but that they remain ahead of the curve for both business and technology.</a:t>
             </a:r>
           </a:p>
         </p:txBody>
@@ -11606,115 +12318,7 @@
             <a:fld id="{B8DACC02-A2BD-4578-8E03-6D891060A695}" type="slidenum">
               <a:rPr lang="en-US" smtClean="0"/>
               <a:pPr/>
-              <a:t>30</a:t>
-            </a:fld>
-            <a:endParaRPr lang="en-US" dirty="0"/>
-          </a:p>
-        </p:txBody>
-      </p:sp>
-    </p:spTree>
-    <p:extLst>
-      <p:ext uri="{BB962C8B-B14F-4D97-AF65-F5344CB8AC3E}">
-        <p14:creationId xmlns:p14="http://schemas.microsoft.com/office/powerpoint/2010/main" val="2431647146"/>
-      </p:ext>
-    </p:extLst>
-  </p:cSld>
-  <p:clrMapOvr>
-    <a:masterClrMapping/>
-  </p:clrMapOvr>
-</p:sld>
-</file>
-
-<file path=ppt/slides/slide31.xml><?xml version="1.0" encoding="utf-8"?>
-<p:sld xmlns:a="http://schemas.openxmlformats.org/drawingml/2006/main" xmlns:r="http://schemas.openxmlformats.org/officeDocument/2006/relationships" xmlns:p="http://schemas.openxmlformats.org/presentationml/2006/main">
-  <p:cSld>
-    <p:spTree>
-      <p:nvGrpSpPr>
-        <p:cNvPr id="1" name=""/>
-        <p:cNvGrpSpPr/>
-        <p:nvPr/>
-      </p:nvGrpSpPr>
-      <p:grpSpPr>
-        <a:xfrm>
-          <a:off x="0" y="0"/>
-          <a:ext cx="0" cy="0"/>
-          <a:chOff x="0" y="0"/>
-          <a:chExt cx="0" cy="0"/>
-        </a:xfrm>
-      </p:grpSpPr>
-      <p:sp>
-        <p:nvSpPr>
-          <p:cNvPr id="2" name="Title 1"/>
-          <p:cNvSpPr>
-            <a:spLocks noGrp="1"/>
-          </p:cNvSpPr>
-          <p:nvPr>
-            <p:ph type="title"/>
-          </p:nvPr>
-        </p:nvSpPr>
-        <p:spPr/>
-        <p:txBody>
-          <a:bodyPr/>
-          <a:lstStyle/>
-          <a:p>
-            <a:r>
-              <a:rPr lang="en-US" dirty="0"/>
-              <a:t>Importance of certifications for DevOps</a:t>
-            </a:r>
-          </a:p>
-        </p:txBody>
-      </p:sp>
-      <p:sp>
-        <p:nvSpPr>
-          <p:cNvPr id="3" name="Content Placeholder 2"/>
-          <p:cNvSpPr>
-            <a:spLocks noGrp="1"/>
-          </p:cNvSpPr>
-          <p:nvPr>
-            <p:ph idx="1"/>
-          </p:nvPr>
-        </p:nvSpPr>
-        <p:spPr/>
-        <p:txBody>
-          <a:bodyPr/>
-          <a:lstStyle/>
-          <a:p>
-            <a:r>
-              <a:rPr lang="en-US" dirty="0"/>
-              <a:t>As technology continues to evolve, so do companies, and regardless of their industry every company is becoming a technology company.</a:t>
-            </a:r>
-          </a:p>
-          <a:p>
-            <a:r>
-              <a:rPr lang="en-US" dirty="0" smtClean="0"/>
-              <a:t>By </a:t>
-            </a:r>
-            <a:r>
-              <a:rPr lang="en-US" dirty="0"/>
-              <a:t>obtaining one of these valuable DevOps certifications, engineers ensure not only that they remain competitive in their field, but that they remain ahead of the curve for both business and technology.</a:t>
-            </a:r>
-          </a:p>
-        </p:txBody>
-      </p:sp>
-      <p:sp>
-        <p:nvSpPr>
-          <p:cNvPr id="4" name="Slide Number Placeholder 3"/>
-          <p:cNvSpPr>
-            <a:spLocks noGrp="1"/>
-          </p:cNvSpPr>
-          <p:nvPr>
-            <p:ph type="sldNum" sz="quarter" idx="12"/>
-          </p:nvPr>
-        </p:nvSpPr>
-        <p:spPr/>
-        <p:txBody>
-          <a:bodyPr/>
-          <a:lstStyle/>
-          <a:p>
-            <a:fld id="{B8DACC02-A2BD-4578-8E03-6D891060A695}" type="slidenum">
-              <a:rPr lang="en-US" smtClean="0"/>
-              <a:pPr/>
-              <a:t>31</a:t>
+              <a:t>37</a:t>
             </a:fld>
             <a:endParaRPr lang="en-US" dirty="0"/>
           </a:p>
@@ -11987,7 +12591,7 @@
       </p:grpSpPr>
       <p:sp>
         <p:nvSpPr>
-          <p:cNvPr id="2" name="Title 1"/>
+          <p:cNvPr id="5" name="Title 4"/>
           <p:cNvSpPr>
             <a:spLocks noGrp="1"/>
           </p:cNvSpPr>
@@ -12002,13 +12606,27 @@
           <a:p>
             <a:r>
               <a:rPr lang="en-US" dirty="0"/>
-              <a:t>AWS </a:t>
-            </a:r>
-            <a:r>
-              <a:rPr lang="en-US" dirty="0" smtClean="0"/>
-              <a:t>Certifications</a:t>
-            </a:r>
-            <a:endParaRPr lang="en-US" dirty="0"/>
+              <a:t>AWS Certifications</a:t>
+            </a:r>
+          </a:p>
+        </p:txBody>
+      </p:sp>
+      <p:sp>
+        <p:nvSpPr>
+          <p:cNvPr id="6" name="Text Placeholder 5"/>
+          <p:cNvSpPr>
+            <a:spLocks noGrp="1"/>
+          </p:cNvSpPr>
+          <p:nvPr>
+            <p:ph type="body" idx="1"/>
+          </p:nvPr>
+        </p:nvSpPr>
+        <p:spPr/>
+        <p:txBody>
+          <a:bodyPr/>
+          <a:lstStyle/>
+          <a:p>
+            <a:endParaRPr lang="en-US"/>
           </a:p>
         </p:txBody>
       </p:sp>
@@ -12031,6 +12649,87 @@
               <a:rPr lang="en-US" smtClean="0"/>
               <a:pPr/>
               <a:t>6</a:t>
+            </a:fld>
+            <a:endParaRPr lang="en-US" dirty="0"/>
+          </a:p>
+        </p:txBody>
+      </p:sp>
+    </p:spTree>
+    <p:extLst>
+      <p:ext uri="{BB962C8B-B14F-4D97-AF65-F5344CB8AC3E}">
+        <p14:creationId xmlns:p14="http://schemas.microsoft.com/office/powerpoint/2010/main" val="3165568511"/>
+      </p:ext>
+    </p:extLst>
+  </p:cSld>
+  <p:clrMapOvr>
+    <a:masterClrMapping/>
+  </p:clrMapOvr>
+</p:sld>
+</file>
+
+<file path=ppt/slides/slide7.xml><?xml version="1.0" encoding="utf-8"?>
+<p:sld xmlns:a="http://schemas.openxmlformats.org/drawingml/2006/main" xmlns:r="http://schemas.openxmlformats.org/officeDocument/2006/relationships" xmlns:p="http://schemas.openxmlformats.org/presentationml/2006/main">
+  <p:cSld>
+    <p:spTree>
+      <p:nvGrpSpPr>
+        <p:cNvPr id="1" name=""/>
+        <p:cNvGrpSpPr/>
+        <p:nvPr/>
+      </p:nvGrpSpPr>
+      <p:grpSpPr>
+        <a:xfrm>
+          <a:off x="0" y="0"/>
+          <a:ext cx="0" cy="0"/>
+          <a:chOff x="0" y="0"/>
+          <a:chExt cx="0" cy="0"/>
+        </a:xfrm>
+      </p:grpSpPr>
+      <p:sp>
+        <p:nvSpPr>
+          <p:cNvPr id="2" name="Title 1"/>
+          <p:cNvSpPr>
+            <a:spLocks noGrp="1"/>
+          </p:cNvSpPr>
+          <p:nvPr>
+            <p:ph type="title"/>
+          </p:nvPr>
+        </p:nvSpPr>
+        <p:spPr/>
+        <p:txBody>
+          <a:bodyPr/>
+          <a:lstStyle/>
+          <a:p>
+            <a:r>
+              <a:rPr lang="en-US" dirty="0"/>
+              <a:t>AWS </a:t>
+            </a:r>
+            <a:r>
+              <a:rPr lang="en-US" dirty="0" smtClean="0"/>
+              <a:t>Certifications</a:t>
+            </a:r>
+            <a:endParaRPr lang="en-US" dirty="0"/>
+          </a:p>
+        </p:txBody>
+      </p:sp>
+      <p:sp>
+        <p:nvSpPr>
+          <p:cNvPr id="4" name="Slide Number Placeholder 3"/>
+          <p:cNvSpPr>
+            <a:spLocks noGrp="1"/>
+          </p:cNvSpPr>
+          <p:nvPr>
+            <p:ph type="sldNum" sz="quarter" idx="12"/>
+          </p:nvPr>
+        </p:nvSpPr>
+        <p:spPr/>
+        <p:txBody>
+          <a:bodyPr/>
+          <a:lstStyle/>
+          <a:p>
+            <a:fld id="{B8DACC02-A2BD-4578-8E03-6D891060A695}" type="slidenum">
+              <a:rPr lang="en-US" smtClean="0"/>
+              <a:pPr/>
+              <a:t>7</a:t>
             </a:fld>
             <a:endParaRPr lang="en-US" dirty="0"/>
           </a:p>
@@ -12090,156 +12789,6 @@
 </p:sld>
 </file>
 
-<file path=ppt/slides/slide7.xml><?xml version="1.0" encoding="utf-8"?>
-<p:sld xmlns:a="http://schemas.openxmlformats.org/drawingml/2006/main" xmlns:r="http://schemas.openxmlformats.org/officeDocument/2006/relationships" xmlns:p="http://schemas.openxmlformats.org/presentationml/2006/main">
-  <p:cSld>
-    <p:spTree>
-      <p:nvGrpSpPr>
-        <p:cNvPr id="1" name=""/>
-        <p:cNvGrpSpPr/>
-        <p:nvPr/>
-      </p:nvGrpSpPr>
-      <p:grpSpPr>
-        <a:xfrm>
-          <a:off x="0" y="0"/>
-          <a:ext cx="0" cy="0"/>
-          <a:chOff x="0" y="0"/>
-          <a:chExt cx="0" cy="0"/>
-        </a:xfrm>
-      </p:grpSpPr>
-      <p:sp>
-        <p:nvSpPr>
-          <p:cNvPr id="2" name="Title 1"/>
-          <p:cNvSpPr>
-            <a:spLocks noGrp="1"/>
-          </p:cNvSpPr>
-          <p:nvPr>
-            <p:ph type="title"/>
-          </p:nvPr>
-        </p:nvSpPr>
-        <p:spPr/>
-        <p:txBody>
-          <a:bodyPr/>
-          <a:lstStyle/>
-          <a:p>
-            <a:r>
-              <a:rPr lang="en-US" dirty="0"/>
-              <a:t>AWS Certified DevOps Engineer Professional</a:t>
-            </a:r>
-          </a:p>
-        </p:txBody>
-      </p:sp>
-      <p:sp>
-        <p:nvSpPr>
-          <p:cNvPr id="3" name="Content Placeholder 2"/>
-          <p:cNvSpPr>
-            <a:spLocks noGrp="1"/>
-          </p:cNvSpPr>
-          <p:nvPr>
-            <p:ph idx="1"/>
-          </p:nvPr>
-        </p:nvSpPr>
-        <p:spPr/>
-        <p:txBody>
-          <a:bodyPr>
-            <a:normAutofit/>
-          </a:bodyPr>
-          <a:lstStyle/>
-          <a:p>
-            <a:r>
-              <a:rPr lang="en-US" dirty="0"/>
-              <a:t>When it comes to DevOps, one of the first stops is Amazon Web Services</a:t>
-            </a:r>
-            <a:r>
-              <a:rPr lang="en-US" dirty="0" smtClean="0"/>
-              <a:t>.</a:t>
-            </a:r>
-          </a:p>
-          <a:p>
-            <a:r>
-              <a:rPr lang="en-US" dirty="0" smtClean="0"/>
-              <a:t>AWS </a:t>
-            </a:r>
-            <a:r>
-              <a:rPr lang="en-US" dirty="0"/>
-              <a:t>provides services that are built first for use with AWS and help companies facilitate DevOps. </a:t>
-            </a:r>
-            <a:endParaRPr lang="en-US" dirty="0" smtClean="0"/>
-          </a:p>
-          <a:p>
-            <a:r>
-              <a:rPr lang="en-US" dirty="0" smtClean="0"/>
-              <a:t>Utilizing </a:t>
-            </a:r>
-            <a:r>
-              <a:rPr lang="en-US" dirty="0"/>
-              <a:t>these tools help engineers to:</a:t>
-            </a:r>
-          </a:p>
-          <a:p>
-            <a:pPr lvl="1"/>
-            <a:r>
-              <a:rPr lang="en-US" dirty="0" smtClean="0"/>
-              <a:t>Automate </a:t>
-            </a:r>
-            <a:r>
-              <a:rPr lang="en-US" dirty="0"/>
-              <a:t>manual tasks</a:t>
-            </a:r>
-          </a:p>
-          <a:p>
-            <a:pPr lvl="1"/>
-            <a:r>
-              <a:rPr lang="en-US" dirty="0"/>
-              <a:t>Manage complex environments at scale</a:t>
-            </a:r>
-          </a:p>
-          <a:p>
-            <a:pPr lvl="1"/>
-            <a:r>
-              <a:rPr lang="en-US" dirty="0"/>
-              <a:t>Control high velocity applications</a:t>
-            </a:r>
-          </a:p>
-        </p:txBody>
-      </p:sp>
-      <p:sp>
-        <p:nvSpPr>
-          <p:cNvPr id="4" name="Slide Number Placeholder 3"/>
-          <p:cNvSpPr>
-            <a:spLocks noGrp="1"/>
-          </p:cNvSpPr>
-          <p:nvPr>
-            <p:ph type="sldNum" sz="quarter" idx="12"/>
-          </p:nvPr>
-        </p:nvSpPr>
-        <p:spPr/>
-        <p:txBody>
-          <a:bodyPr/>
-          <a:lstStyle/>
-          <a:p>
-            <a:fld id="{B8DACC02-A2BD-4578-8E03-6D891060A695}" type="slidenum">
-              <a:rPr lang="en-US" smtClean="0"/>
-              <a:pPr/>
-              <a:t>7</a:t>
-            </a:fld>
-            <a:endParaRPr lang="en-US" dirty="0"/>
-          </a:p>
-        </p:txBody>
-      </p:sp>
-    </p:spTree>
-    <p:extLst>
-      <p:ext uri="{BB962C8B-B14F-4D97-AF65-F5344CB8AC3E}">
-        <p14:creationId xmlns:p14="http://schemas.microsoft.com/office/powerpoint/2010/main" val="507333769"/>
-      </p:ext>
-    </p:extLst>
-  </p:cSld>
-  <p:clrMapOvr>
-    <a:masterClrMapping/>
-  </p:clrMapOvr>
-</p:sld>
-</file>
-
 <file path=ppt/slides/slide8.xml><?xml version="1.0" encoding="utf-8"?>
 <p:sld xmlns:a="http://schemas.openxmlformats.org/drawingml/2006/main" xmlns:r="http://schemas.openxmlformats.org/officeDocument/2006/relationships" xmlns:p="http://schemas.openxmlformats.org/presentationml/2006/main">
   <p:cSld>
@@ -12298,57 +12847,57 @@
           <a:p>
             <a:r>
               <a:rPr lang="en-US" dirty="0"/>
-              <a:t>The AWS Certified DevOps Engineer Professional certification is intended for individuals in a DevOps engineer role with 2+ years of experience provisioning, operating, and managing AWS environments. </a:t>
+              <a:t>When it comes to DevOps, one of the first stops is Amazon Web Services</a:t>
+            </a:r>
+            <a:r>
+              <a:rPr lang="en-US" dirty="0" smtClean="0"/>
+              <a:t>.</a:t>
+            </a:r>
+          </a:p>
+          <a:p>
+            <a:r>
+              <a:rPr lang="en-US" dirty="0" smtClean="0"/>
+              <a:t>AWS </a:t>
+            </a:r>
+            <a:r>
+              <a:rPr lang="en-US" dirty="0"/>
+              <a:t>provides services that are built first for use with AWS and help companies facilitate DevOps. </a:t>
             </a:r>
             <a:endParaRPr lang="en-US" dirty="0" smtClean="0"/>
           </a:p>
           <a:p>
             <a:r>
               <a:rPr lang="en-US" dirty="0" smtClean="0"/>
-              <a:t>Those </a:t>
+              <a:t>Utilizing </a:t>
             </a:r>
             <a:r>
               <a:rPr lang="en-US" dirty="0"/>
-              <a:t>who complete this certification will have expertise:</a:t>
+              <a:t>these tools help engineers to:</a:t>
             </a:r>
           </a:p>
           <a:p>
             <a:pPr lvl="1"/>
             <a:r>
               <a:rPr lang="en-US" dirty="0" smtClean="0"/>
-              <a:t>Implementing </a:t>
+              <a:t>Automate </a:t>
             </a:r>
             <a:r>
               <a:rPr lang="en-US" dirty="0"/>
-              <a:t>and managing continuous delivery systems and methodologies on AWS</a:t>
+              <a:t>manual tasks</a:t>
             </a:r>
           </a:p>
           <a:p>
             <a:pPr lvl="1"/>
             <a:r>
               <a:rPr lang="en-US" dirty="0"/>
-              <a:t>Implementing and automating security controls, governance processes, and compliance validation</a:t>
+              <a:t>Manage complex environments at scale</a:t>
             </a:r>
           </a:p>
           <a:p>
             <a:pPr lvl="1"/>
             <a:r>
               <a:rPr lang="en-US" dirty="0"/>
-              <a:t>Defining and deploying monitoring, metrics, and logging systems on AWS</a:t>
-            </a:r>
-          </a:p>
-          <a:p>
-            <a:pPr lvl="1"/>
-            <a:r>
-              <a:rPr lang="en-US" dirty="0"/>
-              <a:t>Implementing systems that are highly available, scalable, and self-healing on the AWS platform</a:t>
-            </a:r>
-          </a:p>
-          <a:p>
-            <a:pPr lvl="1"/>
-            <a:r>
-              <a:rPr lang="en-US" dirty="0"/>
-              <a:t>Designing, managing, and maintaining tools to automate operational processes</a:t>
+              <a:t>Control high velocity applications</a:t>
             </a:r>
           </a:p>
         </p:txBody>
@@ -12380,7 +12929,7 @@
     </p:spTree>
     <p:extLst>
       <p:ext uri="{BB962C8B-B14F-4D97-AF65-F5344CB8AC3E}">
-        <p14:creationId xmlns:p14="http://schemas.microsoft.com/office/powerpoint/2010/main" val="4207839479"/>
+        <p14:creationId xmlns:p14="http://schemas.microsoft.com/office/powerpoint/2010/main" val="507333769"/>
       </p:ext>
     </p:extLst>
   </p:cSld>
@@ -12441,23 +12990,64 @@
         </p:nvSpPr>
         <p:spPr/>
         <p:txBody>
-          <a:bodyPr/>
+          <a:bodyPr>
+            <a:normAutofit/>
+          </a:bodyPr>
           <a:lstStyle/>
           <a:p>
             <a:r>
               <a:rPr lang="en-US" dirty="0"/>
-              <a:t>The AWS DevOps Engineer Professional exam is 170 minutes long with 40-65 multiple choice questions. </a:t>
+              <a:t>The AWS Certified DevOps Engineer Professional certification is intended for individuals in a DevOps engineer role with 2+ years of experience provisioning, operating, and managing AWS environments. </a:t>
             </a:r>
             <a:endParaRPr lang="en-US" dirty="0" smtClean="0"/>
           </a:p>
           <a:p>
             <a:r>
               <a:rPr lang="en-US" dirty="0" smtClean="0"/>
-              <a:t>The </a:t>
+              <a:t>Those </a:t>
             </a:r>
             <a:r>
               <a:rPr lang="en-US" dirty="0"/>
-              <a:t>exam focuses on SDLC automation; configuration management and infrastructure as code; high availability, disaster recovery, and fault tolerance; incident and event response; monitoring and logging; and policies and standards automation.</a:t>
+              <a:t>who complete this certification will have expertise:</a:t>
+            </a:r>
+          </a:p>
+          <a:p>
+            <a:pPr lvl="1"/>
+            <a:r>
+              <a:rPr lang="en-US" dirty="0" smtClean="0"/>
+              <a:t>Implementing </a:t>
+            </a:r>
+            <a:r>
+              <a:rPr lang="en-US" dirty="0"/>
+              <a:t>and managing continuous delivery systems and methodologies on AWS</a:t>
+            </a:r>
+          </a:p>
+          <a:p>
+            <a:pPr lvl="1"/>
+            <a:r>
+              <a:rPr lang="en-US" dirty="0"/>
+              <a:t>Implementing and automating security controls, governance processes, and compliance validation</a:t>
+            </a:r>
+          </a:p>
+          <a:p>
+            <a:pPr lvl="1"/>
+            <a:r>
+              <a:rPr lang="en-US" dirty="0"/>
+              <a:t>Defining and deploying monitoring, metrics, and logging systems on AWS</a:t>
+            </a:r>
+          </a:p>
+          <a:p>
+            <a:pPr lvl="1"/>
+            <a:r>
+              <a:rPr lang="en-US" dirty="0"/>
+              <a:t>Implementing systems that are highly available, scalable, and self-healing on the AWS platform</a:t>
+            </a:r>
+          </a:p>
+          <a:p>
+            <a:pPr lvl="1"/>
+            <a:r>
+              <a:rPr lang="en-US" dirty="0"/>
+              <a:t>Designing, managing, and maintaining tools to automate operational processes</a:t>
             </a:r>
           </a:p>
         </p:txBody>
@@ -12489,7 +13079,7 @@
     </p:spTree>
     <p:extLst>
       <p:ext uri="{BB962C8B-B14F-4D97-AF65-F5344CB8AC3E}">
-        <p14:creationId xmlns:p14="http://schemas.microsoft.com/office/powerpoint/2010/main" val="3850727043"/>
+        <p14:creationId xmlns:p14="http://schemas.microsoft.com/office/powerpoint/2010/main" val="4207839479"/>
       </p:ext>
     </p:extLst>
   </p:cSld>
